--- a/B3/情報工学実験II_発表資料.pptx
+++ b/B3/情報工学実験II_発表資料.pptx
@@ -240,7 +240,7 @@
           <a:p>
             <a:fld id="{395CF92E-B54D-4A1E-A235-CB5B57676C68}" type="datetimeFigureOut">
               <a:rPr kumimoji="1" lang="ja-JP" altLang="en-US" smtClean="0"/>
-              <a:t>2021/1/20</a:t>
+              <a:t>2021/1/23</a:t>
             </a:fld>
             <a:endParaRPr kumimoji="1" lang="ja-JP" altLang="en-US"/>
           </a:p>
@@ -825,7 +825,7 @@
             </a:r>
             <a:r>
               <a:rPr kumimoji="1" lang="ja-JP" altLang="en-US" dirty="0"/>
-              <a:t>は深層強化学習の代表的な手法の１つです．</a:t>
+              <a:t>は深層強化学習の代表的な手法です．</a:t>
             </a:r>
             <a:endParaRPr kumimoji="1" lang="en-US" altLang="ja-JP" dirty="0"/>
           </a:p>
@@ -851,7 +851,7 @@
           <a:p>
             <a:r>
               <a:rPr kumimoji="1" lang="ja-JP" altLang="en-US" dirty="0"/>
-              <a:t>それに加えて，</a:t>
+              <a:t>また，</a:t>
             </a:r>
             <a:r>
               <a:rPr kumimoji="1" lang="en-US" altLang="ja-JP" dirty="0"/>
@@ -1101,7 +1101,7 @@
           <a:p>
             <a:r>
               <a:rPr kumimoji="1" lang="ja-JP" altLang="en-US" dirty="0"/>
-              <a:t>行動を行うたびに遷移情報を保存しておきます．この情報を蓄積したものを</a:t>
+              <a:t>行動を行うたびに遷移情報を保存します．この情報を蓄積したものを</a:t>
             </a:r>
             <a:r>
               <a:rPr kumimoji="1" lang="en-US" altLang="ja-JP" dirty="0"/>
@@ -1233,7 +1233,7 @@
                 </a:r>
                 <a:r>
                   <a:rPr kumimoji="1" lang="ja-JP" altLang="en-US" dirty="0"/>
-                  <a:t>の更新はごらんの式で行います．ここで，</a:t>
+                  <a:t>の更新はごらんの式でします．ここで，</a:t>
                 </a:r>
                 <a14:m>
                   <m:oMath xmlns:m="http://schemas.openxmlformats.org/officeDocument/2006/math">
@@ -1452,7 +1452,7 @@
                 </a:r>
                 <a:r>
                   <a:rPr kumimoji="1" lang="ja-JP" altLang="en-US" sz="1200" dirty="0"/>
-                  <a:t>の更新時に期待値の計算を行う際の重みを固定するために存在します．</a:t>
+                  <a:t>の更新時に期待値の計算をする際の重みを固定するために存在します．</a:t>
                 </a:r>
                 <a:endParaRPr kumimoji="1" lang="ja-JP" altLang="en-US" dirty="0"/>
               </a:p>
@@ -1739,7 +1739,7 @@
             </a:r>
             <a:r>
               <a:rPr kumimoji="1" lang="ja-JP" altLang="en-US" dirty="0"/>
-              <a:t>の入力層にはカートの位置と速度，棒の角度と速度の</a:t>
+              <a:t>にはカートの位置と速度，棒の角度と角速度の</a:t>
             </a:r>
             <a:r>
               <a:rPr kumimoji="1" lang="en-US" altLang="ja-JP" dirty="0"/>
@@ -1762,7 +1762,7 @@
           <a:p>
             <a:r>
               <a:rPr kumimoji="1" lang="ja-JP" altLang="en-US" dirty="0"/>
-              <a:t>行動決定をするとき，</a:t>
+              <a:t>行動決定をするときは</a:t>
             </a:r>
             <a:r>
               <a:rPr kumimoji="1" lang="en-US" altLang="ja-JP" dirty="0"/>
@@ -1770,7 +1770,7 @@
             </a:r>
             <a:r>
               <a:rPr kumimoji="1" lang="ja-JP" altLang="en-US" dirty="0"/>
-              <a:t>法を用いて，徐々にランダムな行動から</a:t>
+              <a:t>法を用いて，徐々にランダムな行動から最大</a:t>
             </a:r>
             <a:r>
               <a:rPr kumimoji="1" lang="en-US" altLang="ja-JP" dirty="0"/>
@@ -1778,30 +1778,7 @@
             </a:r>
             <a:r>
               <a:rPr kumimoji="1" lang="ja-JP" altLang="en-US" dirty="0"/>
-              <a:t>値が大きい行動をとるようにします．これは初めに与えるランダムな値の影響を軽減するためです．</a:t>
-            </a:r>
-            <a:endParaRPr kumimoji="1" lang="en-US" altLang="ja-JP" dirty="0"/>
-          </a:p>
-          <a:p>
-            <a:r>
-              <a:rPr kumimoji="1" lang="ja-JP" altLang="en-US" dirty="0"/>
-              <a:t>先に説明した通り，</a:t>
-            </a:r>
-            <a:r>
-              <a:rPr kumimoji="1" lang="en-US" altLang="ja-JP" dirty="0"/>
-              <a:t>Replay Memory</a:t>
-            </a:r>
-            <a:r>
-              <a:rPr kumimoji="1" lang="ja-JP" altLang="en-US" dirty="0"/>
-              <a:t>を利用し，</a:t>
-            </a:r>
-            <a:r>
-              <a:rPr kumimoji="1" lang="en-US" altLang="ja-JP" dirty="0"/>
-              <a:t>Q-Network</a:t>
-            </a:r>
-            <a:r>
-              <a:rPr kumimoji="1" lang="ja-JP" altLang="en-US" dirty="0"/>
-              <a:t>の更新を行います．</a:t>
+              <a:t>値に従う行動をするようにします．これは初めに与えるランダムな値の影響を軽減するためです．</a:t>
             </a:r>
           </a:p>
         </p:txBody>
@@ -1909,7 +1886,7 @@
             </a:r>
             <a:r>
               <a:rPr kumimoji="1" lang="ja-JP" altLang="en-US" dirty="0"/>
-              <a:t>，定めたステップ数以上たち続けたら</a:t>
+              <a:t>，定めたステップ数以上立っていたら</a:t>
             </a:r>
             <a:r>
               <a:rPr kumimoji="1" lang="en-US" altLang="ja-JP" dirty="0"/>
@@ -1924,14 +1901,7 @@
           <a:p>
             <a:r>
               <a:rPr kumimoji="1" lang="ja-JP" altLang="en-US" dirty="0"/>
-              <a:t>学習完了評価として，</a:t>
-            </a:r>
-            <a:endParaRPr kumimoji="1" lang="en-US" altLang="ja-JP" dirty="0"/>
-          </a:p>
-          <a:p>
-            <a:r>
-              <a:rPr kumimoji="1" lang="ja-JP" altLang="en-US" dirty="0"/>
-              <a:t>各試行における棒が立ち続けた</a:t>
+              <a:t>学習完了評価として，各試行における棒が立ち続けた</a:t>
             </a:r>
             <a:r>
               <a:rPr kumimoji="1" lang="en-US" altLang="ja-JP" dirty="0"/>
@@ -2046,7 +2016,7 @@
             </a:r>
             <a:r>
               <a:rPr kumimoji="1" lang="ja-JP" altLang="en-US" dirty="0"/>
-              <a:t>以上たち続けたら報酬１与えています．</a:t>
+              <a:t>以上立っていたら報酬１を与えています．</a:t>
             </a:r>
             <a:endParaRPr kumimoji="1" lang="en-US" altLang="ja-JP" dirty="0"/>
           </a:p>
@@ -2061,7 +2031,15 @@
             </a:r>
             <a:r>
               <a:rPr kumimoji="1" lang="ja-JP" altLang="en-US" dirty="0"/>
-              <a:t>試行の平均をとって</a:t>
+              <a:t>試行の</a:t>
+            </a:r>
+            <a:r>
+              <a:rPr kumimoji="1" lang="en-US" altLang="ja-JP" dirty="0"/>
+              <a:t>step</a:t>
+            </a:r>
+            <a:r>
+              <a:rPr kumimoji="1" lang="ja-JP" altLang="en-US" dirty="0"/>
+              <a:t>数の平均をとって</a:t>
             </a:r>
             <a:r>
               <a:rPr kumimoji="1" lang="en-US" altLang="ja-JP" dirty="0"/>
@@ -2165,7 +2143,7 @@
             </a:r>
             <a:r>
               <a:rPr kumimoji="1" lang="ja-JP" altLang="en-US" dirty="0"/>
-              <a:t>の設定はご覧の表のとおりです．学習率は何度か実験を行って調整した後の値です．</a:t>
+              <a:t>の設定はご覧の表のとおりです．学習率は何度か実験し調整した後の値です．</a:t>
             </a:r>
           </a:p>
         </p:txBody>
@@ -2354,7 +2332,7 @@
           <a:p>
             <a:r>
               <a:rPr kumimoji="1" lang="ja-JP" altLang="en-US" dirty="0"/>
-              <a:t>図は，結果として得られた試行ごとの棒を立て続けられた</a:t>
+              <a:t>図は，結果として得られた試行ごとの</a:t>
             </a:r>
             <a:r>
               <a:rPr kumimoji="1" lang="en-US" altLang="ja-JP" dirty="0"/>
@@ -2370,7 +2348,7 @@
             </a:r>
             <a:r>
               <a:rPr kumimoji="1" lang="ja-JP" altLang="en-US" dirty="0"/>
-              <a:t>数，横軸が試行数となっています．</a:t>
+              <a:t>数，横軸が試行数です．</a:t>
             </a:r>
             <a:endParaRPr kumimoji="1" lang="en-US" altLang="ja-JP" dirty="0"/>
           </a:p>
@@ -2385,7 +2363,7 @@
             </a:r>
             <a:r>
               <a:rPr kumimoji="1" lang="ja-JP" altLang="en-US" dirty="0"/>
-              <a:t>立て続けることができています．</a:t>
+              <a:t>立たせることができています．</a:t>
             </a:r>
           </a:p>
         </p:txBody>
@@ -2582,7 +2560,7 @@
             </a:r>
             <a:r>
               <a:rPr kumimoji="1" lang="en-US" altLang="ja-JP" dirty="0"/>
-              <a:t>DQN</a:t>
+              <a:t>Deep Q-Network</a:t>
             </a:r>
             <a:r>
               <a:rPr kumimoji="1" lang="ja-JP" altLang="en-US" dirty="0"/>
@@ -2721,7 +2699,7 @@
             </a:r>
             <a:r>
               <a:rPr kumimoji="1" lang="ja-JP" altLang="en-US" dirty="0"/>
-              <a:t>の入力層には前日の四本値と出来高の</a:t>
+              <a:t>には前日の四本値と出来高の</a:t>
             </a:r>
             <a:r>
               <a:rPr kumimoji="1" lang="en-US" altLang="ja-JP" dirty="0"/>
@@ -2729,7 +2707,7 @@
             </a:r>
             <a:r>
               <a:rPr kumimoji="1" lang="ja-JP" altLang="en-US" dirty="0"/>
-              <a:t>つの状態変数を入力し，買うか，買わないかの</a:t>
+              <a:t>つの状態変数を入力し，買うか買わないかの</a:t>
             </a:r>
             <a:r>
               <a:rPr kumimoji="1" lang="en-US" altLang="ja-JP" dirty="0"/>
@@ -2748,7 +2726,7 @@
             </a:r>
             <a:r>
               <a:rPr kumimoji="1" lang="ja-JP" altLang="en-US" dirty="0"/>
-              <a:t>には遷移情報として，前日の四本値と出来高，今日の行動，報酬，今日の四本値と出来高をを保存します．</a:t>
+              <a:t>には遷移情報として，前日の四本値と出来高，今日の行動，報酬，四本値と出来高を保存します．</a:t>
             </a:r>
           </a:p>
         </p:txBody>
@@ -2848,7 +2826,7 @@
             </a:r>
             <a:r>
               <a:rPr kumimoji="1" lang="ja-JP" altLang="en-US" dirty="0"/>
-              <a:t>試行と定義し，その試行全体で損益がプラスであれば，報酬を</a:t>
+              <a:t>試行と定義し，その期間全体で損益がプラスであれば，報酬を</a:t>
             </a:r>
             <a:r>
               <a:rPr kumimoji="1" lang="en-US" altLang="ja-JP" dirty="0"/>
@@ -2892,15 +2870,9 @@
             <a:endParaRPr kumimoji="1" lang="en-US" altLang="ja-JP" dirty="0"/>
           </a:p>
           <a:p>
-            <a:endParaRPr kumimoji="1" lang="en-US" altLang="ja-JP" dirty="0"/>
-          </a:p>
-          <a:p>
-            <a:endParaRPr kumimoji="1" lang="en-US" altLang="ja-JP" dirty="0"/>
-          </a:p>
-          <a:p>
-            <a:r>
-              <a:rPr kumimoji="1" lang="ja-JP" altLang="en-US" dirty="0"/>
-              <a:t>試行ごとに異なる期間を学習させて時間的な汎用性を高めました．</a:t>
+            <a:r>
+              <a:rPr kumimoji="1" lang="ja-JP" altLang="en-US" dirty="0"/>
+              <a:t>さらに，試行ごとに異なる期間を学習させて時間的な汎用性を高めました．</a:t>
             </a:r>
           </a:p>
         </p:txBody>
@@ -3026,7 +2998,7 @@
           <a:p>
             <a:r>
               <a:rPr kumimoji="1" lang="ja-JP" altLang="en-US" dirty="0"/>
-              <a:t>何度か実験を行い，学習率は</a:t>
+              <a:t>予備実験より，学習率は</a:t>
             </a:r>
             <a:r>
               <a:rPr kumimoji="1" lang="en-US" altLang="ja-JP" dirty="0"/>
@@ -3127,7 +3099,7 @@
           <a:p>
             <a:r>
               <a:rPr kumimoji="1" lang="ja-JP" altLang="en-US" dirty="0"/>
-              <a:t>ごらんの図は，営業日ごとの損益の推移です．縦軸が損益，横軸が営業日です．初めはマイナスからスタートし，激しく上下しているものの最終的に利益が生み出せました．</a:t>
+              <a:t>ごらんの図は，全営業日における損益の推移です．縦軸が損益，横軸が営業日です．初めはマイナスからスタートし，激しく上下しているものの最終的に利益が生み出せました．</a:t>
             </a:r>
             <a:endParaRPr kumimoji="1" lang="en-US" altLang="ja-JP" dirty="0"/>
           </a:p>
@@ -3315,7 +3287,7 @@
             </a:r>
             <a:r>
               <a:rPr kumimoji="1" lang="ja-JP" altLang="en-US" dirty="0"/>
-              <a:t>日にかけては上昇傾向で，それ以降は下降傾向にあります．</a:t>
+              <a:t>日にかけては上昇傾向で，それ以降は下降傾向です．</a:t>
             </a:r>
             <a:endParaRPr kumimoji="1" lang="en-US" altLang="ja-JP" dirty="0"/>
           </a:p>
@@ -3339,7 +3311,7 @@
             </a:pPr>
             <a:r>
               <a:rPr kumimoji="1" lang="ja-JP" altLang="en-US" dirty="0"/>
-              <a:t>このことから，株価が上昇傾向から下降傾向変わっても，エージェントは株価があがることを期待しすぎているのではないかと考えました．</a:t>
+              <a:t>このことから，株価が上昇傾向から下降傾向変化しても，エージェントは株価の上昇トレンドが続いていると判断しているのではないかと考えました．</a:t>
             </a:r>
           </a:p>
           <a:p>
@@ -3434,7 +3406,7 @@
           <a:p>
             <a:r>
               <a:rPr kumimoji="1" lang="ja-JP" altLang="en-US" dirty="0"/>
-              <a:t>ちなみに，任天堂の株価は</a:t>
+              <a:t>また，任天堂の株価は</a:t>
             </a:r>
             <a:r>
               <a:rPr kumimoji="1" lang="en-US" altLang="ja-JP" dirty="0"/>
@@ -3458,31 +3430,15 @@
             </a:r>
             <a:r>
               <a:rPr kumimoji="1" lang="ja-JP" altLang="en-US" dirty="0"/>
-              <a:t>万上昇しており，</a:t>
+              <a:t>万上昇しており，今実験でエージェントが得た利益より</a:t>
             </a:r>
             <a:r>
               <a:rPr kumimoji="1" lang="en-US" altLang="ja-JP" dirty="0"/>
-              <a:t>buy</a:t>
-            </a:r>
-            <a:r>
-              <a:rPr kumimoji="1" lang="ja-JP" altLang="en-US" dirty="0"/>
-              <a:t> </a:t>
-            </a:r>
-            <a:r>
-              <a:rPr kumimoji="1" lang="en-US" altLang="ja-JP" dirty="0"/>
-              <a:t>&amp;</a:t>
-            </a:r>
-            <a:r>
-              <a:rPr kumimoji="1" lang="ja-JP" altLang="en-US" dirty="0"/>
-              <a:t> </a:t>
-            </a:r>
-            <a:r>
-              <a:rPr kumimoji="1" lang="en-US" altLang="ja-JP" dirty="0"/>
-              <a:t>hold</a:t>
-            </a:r>
-            <a:r>
-              <a:rPr kumimoji="1" lang="ja-JP" altLang="en-US" dirty="0"/>
-              <a:t>の方が今実験の結果より利益が出ていました．</a:t>
+              <a:t>buy &amp; hold </a:t>
+            </a:r>
+            <a:r>
+              <a:rPr kumimoji="1" lang="ja-JP" altLang="en-US" dirty="0"/>
+              <a:t>の方が利益が出ていました．</a:t>
             </a:r>
             <a:endParaRPr kumimoji="1" lang="en-US" altLang="ja-JP" dirty="0"/>
           </a:p>
@@ -3764,14 +3720,22 @@
             </a:r>
             <a:r>
               <a:rPr kumimoji="1" lang="ja-JP" altLang="en-US" dirty="0"/>
-              <a:t>問題では学習が順調に進み，課題を達成しました．</a:t>
+              <a:t>問題では学習が順調に進み，深層強化学習の理解を深めることが出来ました．</a:t>
             </a:r>
             <a:endParaRPr kumimoji="1" lang="en-US" altLang="ja-JP" dirty="0"/>
           </a:p>
           <a:p>
             <a:r>
               <a:rPr kumimoji="1" lang="ja-JP" altLang="en-US" dirty="0"/>
-              <a:t>一方，株取引の戦略学習では安定した利益を生むことはできませんでした．</a:t>
+              <a:t>一方，</a:t>
+            </a:r>
+            <a:r>
+              <a:rPr kumimoji="1" lang="en-US" altLang="ja-JP" dirty="0"/>
+              <a:t>Deep Q-Network</a:t>
+            </a:r>
+            <a:r>
+              <a:rPr kumimoji="1" lang="ja-JP" altLang="en-US" dirty="0"/>
+              <a:t>を用いた株取引戦略の学習では，安定した利益を獲得する戦略を学習できませんでした．</a:t>
             </a:r>
           </a:p>
         </p:txBody>
@@ -3863,7 +3827,7 @@
           <a:p>
             <a:r>
               <a:rPr kumimoji="1" lang="ja-JP" altLang="en-US" dirty="0"/>
-              <a:t>今後の課題としては，より発展的な深層強化学習の理解や，株取引における設定の調整などが挙げられます．また気配値を用いたより現実的な取引戦略の学習をしていきたいと考えています．</a:t>
+              <a:t>今後の課題としては，より発展的な深層強化学習の理解や，株取引における設定の調整などが挙げられます．さらに気配値や板情報を考慮したより現実的な取引戦略の学習をしていきたいと考えています．</a:t>
             </a:r>
             <a:endParaRPr kumimoji="1" lang="en-US" altLang="ja-JP" dirty="0"/>
           </a:p>
@@ -4055,7 +4019,7 @@
           <a:p>
             <a:r>
               <a:rPr kumimoji="1" lang="ja-JP" altLang="en-US" dirty="0"/>
-              <a:t>そこでまず，深層強化学習の代表的な手法の１つである</a:t>
+              <a:t>そこでまず，深層強化学習の代表的な手法である</a:t>
             </a:r>
             <a:r>
               <a:rPr kumimoji="1" lang="en-US" altLang="ja-JP" dirty="0"/>
@@ -4089,7 +4053,7 @@
           <a:p>
             <a:r>
               <a:rPr kumimoji="1" lang="ja-JP" altLang="en-US" dirty="0"/>
-              <a:t>株取引戦略を学習させることを本実験の目的としました．</a:t>
+              <a:t>株取引の戦略を学習させることを本実験の目的としました．</a:t>
             </a:r>
           </a:p>
         </p:txBody>
@@ -4181,7 +4145,7 @@
           <a:p>
             <a:r>
               <a:rPr kumimoji="1" lang="ja-JP" altLang="en-US" dirty="0"/>
-              <a:t>次に，実験で用いる株取引の用語について軽く説明します．</a:t>
+              <a:t>次に，実験で用いる株取引の用語について説明します．</a:t>
             </a:r>
           </a:p>
         </p:txBody>
@@ -4766,7 +4730,7 @@
           <a:p>
             <a:fld id="{56B15C1F-6BF6-45D3-8726-724EF9B3100F}" type="datetime1">
               <a:rPr kumimoji="1" lang="ja-JP" altLang="en-US" smtClean="0"/>
-              <a:t>2021/1/20</a:t>
+              <a:t>2021/1/23</a:t>
             </a:fld>
             <a:endParaRPr kumimoji="1" lang="ja-JP" altLang="en-US"/>
           </a:p>
@@ -4969,7 +4933,7 @@
           <a:p>
             <a:fld id="{C66D783A-64AA-4DF0-A5E2-17BCD9DFA5DD}" type="datetime1">
               <a:rPr kumimoji="1" lang="ja-JP" altLang="en-US" smtClean="0"/>
-              <a:t>2021/1/20</a:t>
+              <a:t>2021/1/23</a:t>
             </a:fld>
             <a:endParaRPr kumimoji="1" lang="ja-JP" altLang="en-US"/>
           </a:p>
@@ -5181,7 +5145,7 @@
           <a:p>
             <a:fld id="{955C1EC1-0258-4ACD-82B8-82B5DB56CA01}" type="datetime1">
               <a:rPr kumimoji="1" lang="ja-JP" altLang="en-US" smtClean="0"/>
-              <a:t>2021/1/20</a:t>
+              <a:t>2021/1/23</a:t>
             </a:fld>
             <a:endParaRPr kumimoji="1" lang="ja-JP" altLang="en-US"/>
           </a:p>
@@ -5383,7 +5347,7 @@
           <a:p>
             <a:fld id="{06CC9235-06BD-4B2C-BA28-FDC3D8F2E49B}" type="datetime1">
               <a:rPr kumimoji="1" lang="ja-JP" altLang="en-US" smtClean="0"/>
-              <a:t>2021/1/20</a:t>
+              <a:t>2021/1/23</a:t>
             </a:fld>
             <a:endParaRPr kumimoji="1" lang="ja-JP" altLang="en-US"/>
           </a:p>
@@ -5632,7 +5596,7 @@
           <a:p>
             <a:fld id="{09F8F33B-C146-49E3-BF54-5BF887CD8487}" type="datetime1">
               <a:rPr kumimoji="1" lang="ja-JP" altLang="en-US" smtClean="0"/>
-              <a:t>2021/1/20</a:t>
+              <a:t>2021/1/23</a:t>
             </a:fld>
             <a:endParaRPr kumimoji="1" lang="ja-JP" altLang="en-US"/>
           </a:p>
@@ -5928,7 +5892,7 @@
           <a:p>
             <a:fld id="{AE6202B6-FB58-4B6E-9744-4B3E23D6B01F}" type="datetime1">
               <a:rPr kumimoji="1" lang="ja-JP" altLang="en-US" smtClean="0"/>
-              <a:t>2021/1/20</a:t>
+              <a:t>2021/1/23</a:t>
             </a:fld>
             <a:endParaRPr kumimoji="1" lang="ja-JP" altLang="en-US"/>
           </a:p>
@@ -6359,7 +6323,7 @@
           <a:p>
             <a:fld id="{FE085447-84D2-477C-94F6-F318F6A25B9D}" type="datetime1">
               <a:rPr kumimoji="1" lang="ja-JP" altLang="en-US" smtClean="0"/>
-              <a:t>2021/1/20</a:t>
+              <a:t>2021/1/23</a:t>
             </a:fld>
             <a:endParaRPr kumimoji="1" lang="ja-JP" altLang="en-US"/>
           </a:p>
@@ -6477,7 +6441,7 @@
           <a:p>
             <a:fld id="{1D5AED90-BEF4-4B7C-8090-88CCCBE07C96}" type="datetime1">
               <a:rPr kumimoji="1" lang="ja-JP" altLang="en-US" smtClean="0"/>
-              <a:t>2021/1/20</a:t>
+              <a:t>2021/1/23</a:t>
             </a:fld>
             <a:endParaRPr kumimoji="1" lang="ja-JP" altLang="en-US"/>
           </a:p>
@@ -6572,7 +6536,7 @@
           <a:p>
             <a:fld id="{2FD2EA65-85A7-4DD5-92F5-9BB87412AAF4}" type="datetime1">
               <a:rPr kumimoji="1" lang="ja-JP" altLang="en-US" smtClean="0"/>
-              <a:t>2021/1/20</a:t>
+              <a:t>2021/1/23</a:t>
             </a:fld>
             <a:endParaRPr kumimoji="1" lang="ja-JP" altLang="en-US"/>
           </a:p>
@@ -6881,7 +6845,7 @@
           <a:p>
             <a:fld id="{A49A24FE-BEA1-498A-B3F4-2F06C798A3BF}" type="datetime1">
               <a:rPr kumimoji="1" lang="ja-JP" altLang="en-US" smtClean="0"/>
-              <a:t>2021/1/20</a:t>
+              <a:t>2021/1/23</a:t>
             </a:fld>
             <a:endParaRPr kumimoji="1" lang="ja-JP" altLang="en-US"/>
           </a:p>
@@ -7138,7 +7102,7 @@
           <a:p>
             <a:fld id="{A4B2F8F1-20A3-4A34-A5FE-0BE94C2B6D6A}" type="datetime1">
               <a:rPr kumimoji="1" lang="ja-JP" altLang="en-US" smtClean="0"/>
-              <a:t>2021/1/20</a:t>
+              <a:t>2021/1/23</a:t>
             </a:fld>
             <a:endParaRPr kumimoji="1" lang="ja-JP" altLang="en-US"/>
           </a:p>
@@ -7383,7 +7347,7 @@
           <a:p>
             <a:fld id="{C2107258-1AFB-4D28-AFB3-971671FF0450}" type="datetime1">
               <a:rPr kumimoji="1" lang="ja-JP" altLang="en-US" smtClean="0"/>
-              <a:t>2021/1/20</a:t>
+              <a:t>2021/1/23</a:t>
             </a:fld>
             <a:endParaRPr kumimoji="1" lang="ja-JP" altLang="en-US"/>
           </a:p>
@@ -7806,7 +7770,12 @@
             <p:ph type="ctrTitle"/>
           </p:nvPr>
         </p:nvSpPr>
-        <p:spPr/>
+        <p:spPr>
+          <a:xfrm>
+            <a:off x="289112" y="1106862"/>
+            <a:ext cx="8565776" cy="2387600"/>
+          </a:xfrm>
+        </p:spPr>
         <p:txBody>
           <a:bodyPr>
             <a:normAutofit fontScale="90000"/>
@@ -7815,7 +7784,14 @@
           <a:p>
             <a:r>
               <a:rPr kumimoji="1" lang="ja-JP" altLang="en-US" dirty="0"/>
-              <a:t>深層強化学習を用いた株取引エージェント学習</a:t>
+              <a:t>深層強化学習を用いた</a:t>
+            </a:r>
+            <a:br>
+              <a:rPr kumimoji="1" lang="en-US" altLang="ja-JP" dirty="0"/>
+            </a:br>
+            <a:r>
+              <a:rPr kumimoji="1" lang="ja-JP" altLang="en-US" dirty="0"/>
+              <a:t>株取引エージェントの学習</a:t>
             </a:r>
           </a:p>
         </p:txBody>
@@ -7876,7 +7852,7 @@
           <a:lstStyle/>
           <a:p>
             <a:fld id="{A21A8DAC-0996-42B9-8748-E156DE17796C}" type="slidenum">
-              <a:rPr kumimoji="1" lang="ja-JP" altLang="en-US" sz="2100"/>
+              <a:rPr kumimoji="1" lang="ja-JP" altLang="en-US" sz="2800"/>
               <a:t>1</a:t>
             </a:fld>
             <a:endParaRPr kumimoji="1" lang="ja-JP" altLang="en-US" sz="2100" dirty="0"/>
@@ -7992,37 +7968,9 @@
             <a:pPr lvl="1"/>
             <a:r>
               <a:rPr lang="ja-JP" altLang="en-US" dirty="0"/>
-              <a:t>価値：状態と行動の各ペアに対する</a:t>
-            </a:r>
-            <a:r>
-              <a:rPr lang="ja-JP" altLang="en-US" dirty="0">
-                <a:solidFill>
-                  <a:srgbClr val="FFFF00"/>
-                </a:solidFill>
-              </a:rPr>
-              <a:t>将来的な報酬の</a:t>
-            </a:r>
-            <a:r>
-              <a:rPr lang="en-US" altLang="ja-JP" dirty="0">
-                <a:solidFill>
-                  <a:srgbClr val="FFFF00"/>
-                </a:solidFill>
-              </a:rPr>
-              <a:t>	          </a:t>
-            </a:r>
-            <a:r>
-              <a:rPr lang="ja-JP" altLang="en-US" dirty="0">
-                <a:solidFill>
-                  <a:srgbClr val="FFFF00"/>
-                </a:solidFill>
-              </a:rPr>
-              <a:t>期待値</a:t>
-            </a:r>
-            <a:endParaRPr lang="en-US" altLang="ja-JP" dirty="0">
-              <a:solidFill>
-                <a:srgbClr val="FFFF00"/>
-              </a:solidFill>
-            </a:endParaRPr>
+              <a:t>価値：将来的に獲得する報酬の総和の期待値</a:t>
+            </a:r>
+            <a:endParaRPr lang="en-US" altLang="ja-JP" dirty="0"/>
           </a:p>
           <a:p>
             <a:pPr lvl="1"/>
@@ -8172,16 +8120,12 @@
             <a:pPr lvl="1"/>
             <a:r>
               <a:rPr lang="ja-JP" altLang="en-US" dirty="0"/>
-              <a:t>深層強化学習の代表的な手法の</a:t>
-            </a:r>
-            <a:r>
-              <a:rPr lang="en-US" altLang="ja-JP" dirty="0"/>
-              <a:t>1</a:t>
-            </a:r>
-            <a:r>
-              <a:rPr lang="ja-JP" altLang="en-US" dirty="0"/>
-              <a:t>つ</a:t>
-            </a:r>
+              <a:t>深層強化学習の代表的な手法</a:t>
+            </a:r>
+            <a:endParaRPr lang="en-US" altLang="ja-JP" dirty="0"/>
+          </a:p>
+          <a:p>
+            <a:pPr lvl="1"/>
             <a:endParaRPr lang="en-US" altLang="ja-JP" dirty="0"/>
           </a:p>
           <a:p>
@@ -8200,7 +8144,14 @@
             </a:r>
             <a:r>
               <a:rPr lang="ja-JP" altLang="en-US" dirty="0"/>
-              <a:t>テーブルを多層ニューラルネット</a:t>
+              <a:t>テーブルを</a:t>
+            </a:r>
+            <a:br>
+              <a:rPr lang="en-US" altLang="ja-JP" dirty="0"/>
+            </a:br>
+            <a:r>
+              <a:rPr lang="ja-JP" altLang="en-US" dirty="0"/>
+              <a:t>多層ニューラルネット</a:t>
             </a:r>
             <a:r>
               <a:rPr lang="en-US" altLang="ja-JP" dirty="0"/>
@@ -8214,13 +8165,17 @@
           </a:p>
           <a:p>
             <a:pPr lvl="1"/>
+            <a:endParaRPr lang="en-US" altLang="ja-JP" dirty="0"/>
+          </a:p>
+          <a:p>
+            <a:pPr lvl="1"/>
             <a:r>
               <a:rPr kumimoji="1" lang="en-US" altLang="ja-JP" dirty="0"/>
               <a:t>Replay Memory</a:t>
             </a:r>
             <a:r>
               <a:rPr kumimoji="1" lang="ja-JP" altLang="en-US" dirty="0"/>
-              <a:t>と呼ばれる状態の遷移情報を記憶したものを用いてネットワークを更新</a:t>
+              <a:t>を用いてネットワークを更新</a:t>
             </a:r>
             <a:endParaRPr kumimoji="1" lang="en-US" altLang="ja-JP" dirty="0"/>
           </a:p>
@@ -9665,7 +9620,7 @@
         </p:nvSpPr>
         <p:spPr>
           <a:xfrm>
-            <a:off x="631235" y="3683034"/>
+            <a:off x="647523" y="3729007"/>
             <a:ext cx="1595022" cy="400110"/>
           </a:xfrm>
           <a:prstGeom prst="rect">
@@ -9700,7 +9655,7 @@
         </p:nvSpPr>
         <p:spPr>
           <a:xfrm>
-            <a:off x="6456301" y="3883089"/>
+            <a:off x="6474715" y="3708793"/>
             <a:ext cx="1595022" cy="400110"/>
           </a:xfrm>
           <a:prstGeom prst="rect">
@@ -9751,7 +9706,7 @@
         </p:nvSpPr>
         <p:spPr>
           <a:xfrm>
-            <a:off x="6453863" y="4985026"/>
+            <a:off x="6482280" y="4967252"/>
             <a:ext cx="1595022" cy="400110"/>
           </a:xfrm>
           <a:prstGeom prst="rect">
@@ -11699,7 +11654,7 @@
             <p:spPr/>
             <p:txBody>
               <a:bodyPr>
-                <a:normAutofit lnSpcReduction="10000"/>
+                <a:normAutofit/>
               </a:bodyPr>
               <a:lstStyle/>
               <a:p>
@@ -11728,6 +11683,40 @@
                       </a:rPr>
                       <m:t>,  </m:t>
                     </m:r>
+                    <m:r>
+                      <a:rPr lang="ja-JP" altLang="en-US" i="1">
+                        <a:latin typeface="Cambria Math" panose="02040503050406030204" pitchFamily="18" charset="0"/>
+                      </a:rPr>
+                      <m:t>カート</m:t>
+                    </m:r>
+                    <m:r>
+                      <m:rPr>
+                        <m:nor/>
+                      </m:rPr>
+                      <a:rPr lang="ja-JP" altLang="en-US" dirty="0"/>
+                      <m:t>の速度</m:t>
+                    </m:r>
+                    <m:r>
+                      <a:rPr lang="en-US" altLang="ja-JP" i="1">
+                        <a:latin typeface="Cambria Math" panose="02040503050406030204" pitchFamily="18" charset="0"/>
+                      </a:rPr>
+                      <m:t>𝑣</m:t>
+                    </m:r>
+                    <m:r>
+                      <a:rPr lang="ja-JP" altLang="en-US" i="1">
+                        <a:latin typeface="Cambria Math" panose="02040503050406030204" pitchFamily="18" charset="0"/>
+                      </a:rPr>
+                      <m:t>，</m:t>
+                    </m:r>
+                  </m:oMath>
+                </a14:m>
+                <a:br>
+                  <a:rPr lang="en-US" altLang="ja-JP" i="1" dirty="0">
+                    <a:latin typeface="Cambria Math" panose="02040503050406030204" pitchFamily="18" charset="0"/>
+                  </a:rPr>
+                </a:br>
+                <a14:m>
+                  <m:oMath xmlns:m="http://schemas.openxmlformats.org/officeDocument/2006/math">
                     <m:r>
                       <a:rPr lang="ja-JP" altLang="en-US" i="1">
                         <a:latin typeface="Cambria Math" panose="02040503050406030204" pitchFamily="18" charset="0"/>
@@ -11762,34 +11751,13 @@
                       </a:rPr>
                       <m:t>𝜔</m:t>
                     </m:r>
-                    <m:r>
-                      <a:rPr lang="en-US" altLang="ja-JP" b="0" i="1" dirty="0" smtClean="0">
-                        <a:latin typeface="Cambria Math" panose="02040503050406030204" pitchFamily="18" charset="0"/>
-                      </a:rPr>
-                      <m:t>,  </m:t>
-                    </m:r>
-                    <m:r>
-                      <a:rPr lang="ja-JP" altLang="en-US" i="1">
-                        <a:latin typeface="Cambria Math" panose="02040503050406030204" pitchFamily="18" charset="0"/>
-                      </a:rPr>
-                      <m:t>カート</m:t>
-                    </m:r>
-                    <m:r>
-                      <m:rPr>
-                        <m:nor/>
-                      </m:rPr>
-                      <a:rPr lang="ja-JP" altLang="en-US" dirty="0"/>
-                      <m:t>の速度</m:t>
-                    </m:r>
-                    <m:r>
-                      <a:rPr lang="en-US" altLang="ja-JP" i="1">
-                        <a:latin typeface="Cambria Math" panose="02040503050406030204" pitchFamily="18" charset="0"/>
-                      </a:rPr>
-                      <m:t>𝑣</m:t>
-                    </m:r>
                   </m:oMath>
                 </a14:m>
                 <a:endParaRPr lang="en-US" altLang="ja-JP" dirty="0"/>
+              </a:p>
+              <a:p>
+                <a:pPr lvl="1"/>
+                <a:endParaRPr lang="en-US" altLang="ja-JP" sz="1000" dirty="0"/>
               </a:p>
               <a:p>
                 <a:pPr lvl="1"/>
@@ -11817,7 +11785,7 @@
                 </a:r>
                 <a:r>
                   <a:rPr lang="ja-JP" altLang="en-US" dirty="0"/>
-                  <a:t>法を用いて徐々にランダムな行動から</a:t>
+                  <a:t>法を用いて徐々にランダムな行動から最大</a:t>
                 </a:r>
                 <a:r>
                   <a:rPr lang="en-US" altLang="ja-JP" dirty="0"/>
@@ -11825,33 +11793,8 @@
                 </a:r>
                 <a:r>
                   <a:rPr lang="ja-JP" altLang="en-US" dirty="0"/>
-                  <a:t>値に従った行動を行う</a:t>
+                  <a:t>値に従った行動をする</a:t>
                 </a:r>
-                <a:endParaRPr lang="en-US" altLang="ja-JP" dirty="0"/>
-              </a:p>
-              <a:p>
-                <a:endParaRPr lang="en-US" altLang="ja-JP" dirty="0"/>
-              </a:p>
-              <a:p>
-                <a:r>
-                  <a:rPr lang="en-US" altLang="ja-JP" dirty="0"/>
-                  <a:t>Replay Memory</a:t>
-                </a:r>
-                <a:r>
-                  <a:rPr lang="ja-JP" altLang="en-US" dirty="0"/>
-                  <a:t>に遷移情報を保存，</a:t>
-                </a:r>
-                <a:r>
-                  <a:rPr lang="en-US" altLang="ja-JP" dirty="0"/>
-                  <a:t>Q-Network</a:t>
-                </a:r>
-                <a:r>
-                  <a:rPr lang="ja-JP" altLang="en-US" dirty="0"/>
-                  <a:t>の更新</a:t>
-                </a:r>
-              </a:p>
-              <a:p>
-                <a:endParaRPr lang="ja-JP" altLang="en-US" dirty="0"/>
               </a:p>
               <a:p>
                 <a:endParaRPr lang="en-US" altLang="ja-JP" b="0" dirty="0"/>
@@ -11880,7 +11823,7 @@
               <a:blipFill>
                 <a:blip r:embed="rId3"/>
                 <a:stretch>
-                  <a:fillRect l="-1391" t="-3081" r="-618"/>
+                  <a:fillRect l="-1391" t="-2241"/>
                 </a:stretch>
               </a:blipFill>
             </p:spPr>
@@ -12050,7 +11993,14 @@
             </a:r>
             <a:r>
               <a:rPr lang="ja-JP" altLang="en-US" dirty="0"/>
-              <a:t>，定めたステップ数以上立っていたら </a:t>
+              <a:t>，</a:t>
+            </a:r>
+            <a:br>
+              <a:rPr lang="en-US" altLang="ja-JP" dirty="0"/>
+            </a:br>
+            <a:r>
+              <a:rPr lang="ja-JP" altLang="en-US" dirty="0"/>
+              <a:t>定めたステップ数以上立っていたら </a:t>
             </a:r>
             <a:r>
               <a:rPr lang="en-US" altLang="ja-JP" dirty="0"/>
@@ -12083,7 +12033,7 @@
             <a:pPr lvl="1"/>
             <a:r>
               <a:rPr lang="ja-JP" altLang="en-US" dirty="0"/>
-              <a:t>各試行における棒が立ち続けた</a:t>
+              <a:t>各試行で棒が立ち続けた</a:t>
             </a:r>
             <a:r>
               <a:rPr lang="en-US" altLang="ja-JP" dirty="0"/>
@@ -12277,7 +12227,7 @@
           <p:nvPr>
             <p:extLst>
               <p:ext uri="{D42A27DB-BD31-4B8C-83A1-F6EECF244321}">
-                <p14:modId xmlns:p14="http://schemas.microsoft.com/office/powerpoint/2010/main" val="3306250909"/>
+                <p14:modId xmlns:p14="http://schemas.microsoft.com/office/powerpoint/2010/main" val="278493046"/>
               </p:ext>
             </p:extLst>
           </p:nvPr>
@@ -12544,7 +12494,7 @@
                       <a:pPr algn="ctr"/>
                       <a:r>
                         <a:rPr kumimoji="1" lang="ja-JP" altLang="en-US" sz="2000" dirty="0"/>
-                        <a:t>学習完了評価の平均計算を行う試行回数</a:t>
+                        <a:t>学習完了評価の平均計算をする試行回数</a:t>
                       </a:r>
                     </a:p>
                   </a:txBody>
@@ -12791,8 +12741,8 @@
           </a:p>
         </p:txBody>
       </p:sp>
-      <mc:AlternateContent xmlns:mc="http://schemas.openxmlformats.org/markup-compatibility/2006">
-        <mc:Choice xmlns:a14="http://schemas.microsoft.com/office/drawing/2010/main" Requires="a14">
+      <mc:AlternateContent xmlns:mc="http://schemas.openxmlformats.org/markup-compatibility/2006" xmlns:a14="http://schemas.microsoft.com/office/drawing/2010/main">
+        <mc:Choice Requires="a14">
           <p:graphicFrame>
             <p:nvGraphicFramePr>
               <p:cNvPr id="5" name="表 5">
@@ -13007,7 +12957,7 @@
             </a:graphic>
           </p:graphicFrame>
         </mc:Choice>
-        <mc:Fallback>
+        <mc:Fallback xmlns="">
           <p:graphicFrame>
             <p:nvGraphicFramePr>
               <p:cNvPr id="5" name="表 5">
@@ -13598,7 +13548,7 @@
           <a:lstStyle/>
           <a:p>
             <a:fld id="{A21A8DAC-0996-42B9-8748-E156DE17796C}" type="slidenum">
-              <a:rPr kumimoji="1" lang="ja-JP" altLang="en-US" sz="2100"/>
+              <a:rPr kumimoji="1" lang="ja-JP" altLang="en-US"/>
               <a:t>2</a:t>
             </a:fld>
             <a:endParaRPr kumimoji="1" lang="ja-JP" altLang="en-US" sz="2100" dirty="0"/>
@@ -14191,16 +14141,22 @@
             </a:r>
             <a:r>
               <a:rPr kumimoji="1" lang="en-US" altLang="ja-JP" dirty="0"/>
-              <a:t>DQN</a:t>
+              <a:t>Deep Q-Network</a:t>
             </a:r>
             <a:r>
               <a:rPr lang="ja-JP" altLang="en-US" dirty="0"/>
               <a:t>を利用し</a:t>
             </a:r>
+            <a:br>
+              <a:rPr lang="en-US" altLang="ja-JP" dirty="0"/>
+            </a:br>
             <a:r>
               <a:rPr kumimoji="1" lang="ja-JP" altLang="en-US" dirty="0"/>
               <a:t>株取引を学習</a:t>
             </a:r>
+            <a:endParaRPr kumimoji="1" lang="en-US" altLang="ja-JP" dirty="0"/>
+          </a:p>
+          <a:p>
             <a:endParaRPr kumimoji="1" lang="en-US" altLang="ja-JP" dirty="0"/>
           </a:p>
           <a:p>
@@ -14232,6 +14188,9 @@
               <a:rPr lang="ja-JP" altLang="en-US" dirty="0"/>
               <a:t>年間の四本値と出来高を取得</a:t>
             </a:r>
+            <a:endParaRPr lang="en-US" altLang="ja-JP" dirty="0"/>
+          </a:p>
+          <a:p>
             <a:endParaRPr lang="en-US" altLang="ja-JP" dirty="0"/>
           </a:p>
           <a:p>
@@ -14414,9 +14373,31 @@
             </a:r>
             <a:r>
               <a:rPr lang="ja-JP" altLang="en-US" dirty="0"/>
-              <a:t>に（遷移情報）前日の四本値と出来高，今日の行動，報酬，今日の四本値と出来高を保存</a:t>
-            </a:r>
-            <a:endParaRPr kumimoji="1" lang="ja-JP" altLang="en-US" dirty="0"/>
+              <a:t>に遷移情報を保存</a:t>
+            </a:r>
+            <a:endParaRPr lang="en-US" altLang="ja-JP" dirty="0"/>
+          </a:p>
+          <a:p>
+            <a:pPr lvl="1"/>
+            <a:r>
+              <a:rPr kumimoji="1" lang="ja-JP" altLang="en-US" dirty="0"/>
+              <a:t>前日の四本値と出来高</a:t>
+            </a:r>
+            <a:r>
+              <a:rPr lang="ja-JP" altLang="en-US" dirty="0"/>
+              <a:t>，</a:t>
+            </a:r>
+            <a:br>
+              <a:rPr lang="en-US" altLang="ja-JP" dirty="0"/>
+            </a:br>
+            <a:r>
+              <a:rPr lang="ja-JP" altLang="en-US" dirty="0"/>
+              <a:t>今日の行動，報酬，</a:t>
+            </a:r>
+            <a:r>
+              <a:rPr kumimoji="1" lang="ja-JP" altLang="en-US" dirty="0"/>
+              <a:t>四本値と出来高</a:t>
+            </a:r>
           </a:p>
         </p:txBody>
       </p:sp>
@@ -14568,64 +14549,57 @@
           </a:p>
           <a:p>
             <a:pPr lvl="1"/>
+            <a:endParaRPr lang="en-US" altLang="ja-JP" dirty="0"/>
+          </a:p>
+          <a:p>
+            <a:pPr lvl="1"/>
             <a:r>
               <a:rPr kumimoji="1" lang="en-US" altLang="ja-JP" dirty="0"/>
               <a:t>1</a:t>
             </a:r>
             <a:r>
               <a:rPr kumimoji="1" lang="ja-JP" altLang="en-US" dirty="0"/>
-              <a:t>日ごとの行動について，</a:t>
-            </a:r>
-            <a:endParaRPr kumimoji="1" lang="en-US" altLang="ja-JP" dirty="0"/>
+              <a:t>日ごとの行動</a:t>
+            </a:r>
+            <a:endParaRPr lang="en-US" altLang="ja-JP" dirty="0"/>
+          </a:p>
+          <a:p>
+            <a:pPr lvl="2"/>
+            <a:r>
+              <a:rPr lang="ja-JP" altLang="en-US" sz="2400" dirty="0"/>
+              <a:t>買って損した場合，買わなかったが株価が</a:t>
+            </a:r>
+            <a:br>
+              <a:rPr lang="en-US" altLang="ja-JP" sz="2400" dirty="0"/>
+            </a:br>
+            <a:r>
+              <a:rPr lang="ja-JP" altLang="en-US" sz="2400" dirty="0"/>
+              <a:t>上昇した場合は</a:t>
+            </a:r>
+            <a:r>
+              <a:rPr lang="en-US" altLang="ja-JP" sz="2400" dirty="0"/>
+              <a:t>-1</a:t>
+            </a:r>
+          </a:p>
+          <a:p>
+            <a:pPr lvl="2"/>
+            <a:r>
+              <a:rPr lang="ja-JP" altLang="en-US" sz="2400" dirty="0"/>
+              <a:t>それ以外は</a:t>
+            </a:r>
+            <a:r>
+              <a:rPr lang="en-US" altLang="ja-JP" sz="2400" dirty="0"/>
+              <a:t>0</a:t>
+            </a:r>
           </a:p>
           <a:p>
             <a:pPr marL="342900" lvl="1" indent="0">
               <a:buNone/>
             </a:pPr>
             <a:r>
-              <a:rPr lang="en-US" altLang="ja-JP" dirty="0"/>
-              <a:t>	</a:t>
-            </a:r>
-            <a:r>
               <a:rPr lang="ja-JP" altLang="en-US" dirty="0"/>
-              <a:t>買って損した場合，買わなかったが株価が上昇した場合は</a:t>
-            </a:r>
-            <a:r>
-              <a:rPr lang="en-US" altLang="ja-JP" dirty="0"/>
-              <a:t>-1</a:t>
-            </a:r>
-          </a:p>
-          <a:p>
-            <a:pPr marL="342900" lvl="1" indent="0">
-              <a:buNone/>
-            </a:pPr>
-            <a:r>
-              <a:rPr lang="en-US" altLang="ja-JP" dirty="0"/>
-              <a:t>	</a:t>
-            </a:r>
-            <a:r>
-              <a:rPr lang="ja-JP" altLang="en-US" dirty="0"/>
-              <a:t>それ以外は</a:t>
-            </a:r>
-            <a:r>
-              <a:rPr lang="en-US" altLang="ja-JP" dirty="0"/>
-              <a:t>0</a:t>
-            </a:r>
-          </a:p>
-          <a:p>
-            <a:pPr marL="342900" lvl="1" indent="0">
-              <a:buNone/>
-            </a:pPr>
-            <a:r>
-              <a:rPr lang="ja-JP" altLang="en-US" dirty="0"/>
-              <a:t>   とする．</a:t>
-            </a:r>
-            <a:endParaRPr lang="en-US" altLang="ja-JP" dirty="0"/>
-          </a:p>
-          <a:p>
-            <a:pPr marL="342900" lvl="1" indent="0">
-              <a:buNone/>
-            </a:pPr>
+              <a:t>   </a:t>
+            </a:r>
             <a:endParaRPr lang="en-US" altLang="ja-JP" dirty="0"/>
           </a:p>
           <a:p>
@@ -15373,35 +15347,26 @@
             </a:pPr>
             <a:r>
               <a:rPr lang="en-US" altLang="ja-JP" dirty="0"/>
-              <a:t>	2016</a:t>
+              <a:t>	</a:t>
             </a:r>
             <a:r>
               <a:rPr lang="ja-JP" altLang="en-US" dirty="0"/>
-              <a:t>年始めの始値：約</a:t>
+              <a:t>全営業日で約</a:t>
             </a:r>
             <a:r>
               <a:rPr lang="en-US" altLang="ja-JP" dirty="0"/>
-              <a:t>16000</a:t>
-            </a:r>
+              <a:t>5</a:t>
+            </a:r>
+            <a:r>
+              <a:rPr lang="ja-JP" altLang="en-US" dirty="0"/>
+              <a:t>万上昇</a:t>
+            </a:r>
+            <a:endParaRPr lang="en-US" altLang="ja-JP" dirty="0"/>
           </a:p>
           <a:p>
             <a:pPr marL="0" indent="0">
               <a:buNone/>
             </a:pPr>
-            <a:r>
-              <a:rPr kumimoji="1" lang="en-US" altLang="ja-JP" dirty="0"/>
-              <a:t>	2020</a:t>
-            </a:r>
-            <a:r>
-              <a:rPr kumimoji="1" lang="ja-JP" altLang="en-US" dirty="0"/>
-              <a:t>年終わりの終値：約</a:t>
-            </a:r>
-            <a:r>
-              <a:rPr kumimoji="1" lang="en-US" altLang="ja-JP" dirty="0"/>
-              <a:t>65000</a:t>
-            </a:r>
-          </a:p>
-          <a:p>
             <a:endParaRPr lang="en-US" altLang="ja-JP" dirty="0"/>
           </a:p>
           <a:p>
@@ -16016,7 +15981,7 @@
           <a:lstStyle/>
           <a:p>
             <a:fld id="{A21A8DAC-0996-42B9-8748-E156DE17796C}" type="slidenum">
-              <a:rPr kumimoji="1" lang="ja-JP" altLang="en-US" sz="2100"/>
+              <a:rPr kumimoji="1" lang="ja-JP" altLang="en-US"/>
               <a:t>3</a:t>
             </a:fld>
             <a:endParaRPr kumimoji="1" lang="ja-JP" altLang="en-US" sz="2100" dirty="0"/>
@@ -16108,7 +16073,15 @@
             </a:r>
             <a:r>
               <a:rPr kumimoji="1" lang="ja-JP" altLang="en-US" dirty="0"/>
-              <a:t>問題では順調に学習が進んだ</a:t>
+              <a:t>問題</a:t>
+            </a:r>
+            <a:endParaRPr lang="en-US" altLang="ja-JP" dirty="0"/>
+          </a:p>
+          <a:p>
+            <a:pPr lvl="1"/>
+            <a:r>
+              <a:rPr kumimoji="1" lang="ja-JP" altLang="en-US" dirty="0"/>
+              <a:t>順調に学習が進んだ</a:t>
             </a:r>
             <a:endParaRPr kumimoji="1" lang="en-US" altLang="ja-JP" dirty="0"/>
           </a:p>
@@ -16118,7 +16091,15 @@
           <a:p>
             <a:r>
               <a:rPr kumimoji="1" lang="ja-JP" altLang="en-US" dirty="0"/>
-              <a:t>株取引の戦略学習では安定して利益をうむ戦略を学習できなかった．</a:t>
+              <a:t>株取引戦略の学習</a:t>
+            </a:r>
+            <a:endParaRPr kumimoji="1" lang="en-US" altLang="ja-JP" dirty="0"/>
+          </a:p>
+          <a:p>
+            <a:pPr lvl="1"/>
+            <a:r>
+              <a:rPr kumimoji="1" lang="ja-JP" altLang="en-US" dirty="0"/>
+              <a:t>安定した利益を獲得する戦略を学習できなかった．</a:t>
             </a:r>
             <a:endParaRPr kumimoji="1" lang="en-US" altLang="ja-JP" dirty="0"/>
           </a:p>
@@ -16240,7 +16221,7 @@
           <a:p>
             <a:r>
               <a:rPr kumimoji="1" lang="ja-JP" altLang="en-US" dirty="0"/>
-              <a:t>より発展的な深層強化学習の理解，応用</a:t>
+              <a:t>より発展的な深層強化学習の理解</a:t>
             </a:r>
             <a:endParaRPr kumimoji="1" lang="en-US" altLang="ja-JP" dirty="0"/>
           </a:p>
@@ -16258,7 +16239,14 @@
             </a:r>
             <a:r>
               <a:rPr lang="ja-JP" altLang="en-US" dirty="0"/>
-              <a:t>試行あたりに学習する営業日，報酬の与え方の調整</a:t>
+              <a:t>試行あたりに</a:t>
+            </a:r>
+            <a:br>
+              <a:rPr lang="en-US" altLang="ja-JP" dirty="0"/>
+            </a:br>
+            <a:r>
+              <a:rPr lang="ja-JP" altLang="en-US" dirty="0"/>
+              <a:t>学習する営業日，報酬の与え方の調整</a:t>
             </a:r>
             <a:endParaRPr lang="en-US" altLang="ja-JP" dirty="0"/>
           </a:p>
@@ -16268,7 +16256,7 @@
           <a:p>
             <a:r>
               <a:rPr kumimoji="1" lang="ja-JP" altLang="en-US" dirty="0"/>
-              <a:t>気配値を用いたより現実的な取引戦略学習</a:t>
+              <a:t>気配値や板情報を用いる</a:t>
             </a:r>
           </a:p>
         </p:txBody>
@@ -16540,7 +16528,7 @@
               <a:rPr kumimoji="1" lang="ja-JP" altLang="en-US" smtClean="0"/>
               <a:t>4</a:t>
             </a:fld>
-            <a:endParaRPr kumimoji="1" lang="ja-JP" altLang="en-US"/>
+            <a:endParaRPr kumimoji="1" lang="ja-JP" altLang="en-US" dirty="0"/>
           </a:p>
         </p:txBody>
       </p:sp>

--- a/B3/情報工学実験II_発表資料.pptx
+++ b/B3/情報工学実験II_発表資料.pptx
@@ -240,7 +240,7 @@
           <a:p>
             <a:fld id="{395CF92E-B54D-4A1E-A235-CB5B57676C68}" type="datetimeFigureOut">
               <a:rPr kumimoji="1" lang="ja-JP" altLang="en-US" smtClean="0"/>
-              <a:t>2021/1/23</a:t>
+              <a:t>2021/1/24</a:t>
             </a:fld>
             <a:endParaRPr kumimoji="1" lang="ja-JP" altLang="en-US"/>
           </a:p>
@@ -691,7 +691,7 @@
           <a:p>
             <a:r>
               <a:rPr kumimoji="1" lang="ja-JP" altLang="en-US" dirty="0"/>
-              <a:t>一方で価値とは，状態と行動の各ペアに対する将来得られる報酬の期待値です．</a:t>
+              <a:t>一方で価値とは，状態と行動の各ペアに対する将来的に獲得する報酬の総和の期待値です．</a:t>
             </a:r>
             <a:endParaRPr kumimoji="1" lang="en-US" altLang="ja-JP" dirty="0"/>
           </a:p>
@@ -971,7 +971,7 @@
             </a:r>
             <a:r>
               <a:rPr kumimoji="1" lang="ja-JP" altLang="en-US" dirty="0"/>
-              <a:t>の入力層には状態を入力し，出力層は行動ごとの</a:t>
+              <a:t>の入力層には状態変数を入力し，出力層は行動ごとの</a:t>
             </a:r>
             <a:r>
               <a:rPr kumimoji="1" lang="en-US" altLang="ja-JP" dirty="0"/>
@@ -1444,7 +1444,7 @@
               <a:p>
                 <a:r>
                   <a:rPr kumimoji="1" lang="ja-JP" altLang="en-US" sz="1200" dirty="0"/>
-                  <a:t>これは，</a:t>
+                  <a:t>これは</a:t>
                 </a:r>
                 <a:r>
                   <a:rPr kumimoji="1" lang="en-US" altLang="ja-JP" sz="1200" dirty="0"/>
@@ -1452,7 +1452,7 @@
                 </a:r>
                 <a:r>
                   <a:rPr kumimoji="1" lang="ja-JP" altLang="en-US" sz="1200" dirty="0"/>
-                  <a:t>の更新時に期待値の計算をする際の重みを固定するために存在します．</a:t>
+                  <a:t>の更新で期待値の計算をする際に重みを固定するために存在します．</a:t>
                 </a:r>
                 <a:endParaRPr kumimoji="1" lang="ja-JP" altLang="en-US" dirty="0"/>
               </a:p>
@@ -1762,11 +1762,11 @@
           <a:p>
             <a:r>
               <a:rPr kumimoji="1" lang="ja-JP" altLang="en-US" dirty="0"/>
-              <a:t>行動決定をするときは</a:t>
+              <a:t>行動決定をするときはイプシロン</a:t>
             </a:r>
             <a:r>
               <a:rPr kumimoji="1" lang="en-US" altLang="ja-JP" dirty="0"/>
-              <a:t>ε-greedy</a:t>
+              <a:t>-greedy</a:t>
             </a:r>
             <a:r>
               <a:rPr kumimoji="1" lang="ja-JP" altLang="en-US" dirty="0"/>
@@ -1901,7 +1901,7 @@
           <a:p>
             <a:r>
               <a:rPr kumimoji="1" lang="ja-JP" altLang="en-US" dirty="0"/>
-              <a:t>学習完了評価として，各試行における棒が立ち続けた</a:t>
+              <a:t>学習完了評価は，各試行における棒が立っていた</a:t>
             </a:r>
             <a:r>
               <a:rPr kumimoji="1" lang="en-US" altLang="ja-JP" dirty="0"/>
@@ -1909,7 +1909,7 @@
             </a:r>
             <a:r>
               <a:rPr kumimoji="1" lang="ja-JP" altLang="en-US" dirty="0"/>
-              <a:t>数を定めた試行回数で平均し，定めた評価値以上であれば学習完了とします．</a:t>
+              <a:t>数を定めた試行回数で平均し，それが定めた評価値以上であれば学習完了とします．</a:t>
             </a:r>
             <a:endParaRPr kumimoji="1" lang="en-US" altLang="ja-JP" dirty="0"/>
           </a:p>
@@ -2143,7 +2143,7 @@
             </a:r>
             <a:r>
               <a:rPr kumimoji="1" lang="ja-JP" altLang="en-US" dirty="0"/>
-              <a:t>の設定はご覧の表のとおりです．学習率は何度か実験し調整した後の値です．</a:t>
+              <a:t>の設定はご覧の表のとおりです．学習率は予備実験で調整した後の値です．</a:t>
             </a:r>
           </a:p>
         </p:txBody>
@@ -2699,15 +2699,7 @@
             </a:r>
             <a:r>
               <a:rPr kumimoji="1" lang="ja-JP" altLang="en-US" dirty="0"/>
-              <a:t>には前日の四本値と出来高の</a:t>
-            </a:r>
-            <a:r>
-              <a:rPr kumimoji="1" lang="en-US" altLang="ja-JP" dirty="0"/>
-              <a:t>5</a:t>
-            </a:r>
-            <a:r>
-              <a:rPr kumimoji="1" lang="ja-JP" altLang="en-US" dirty="0"/>
-              <a:t>つの状態変数を入力し，買うか買わないかの</a:t>
+              <a:t>には前日の四本値と出来高を入力し，買うか買わないかの</a:t>
             </a:r>
             <a:r>
               <a:rPr kumimoji="1" lang="en-US" altLang="ja-JP" dirty="0"/>
@@ -2983,7 +2975,7 @@
             </a:r>
             <a:r>
               <a:rPr kumimoji="1" lang="ja-JP" altLang="en-US" dirty="0"/>
-              <a:t>営業日あるので，約</a:t>
+              <a:t>営業日あるため，約</a:t>
             </a:r>
             <a:r>
               <a:rPr kumimoji="1" lang="en-US" altLang="ja-JP" dirty="0"/>
@@ -3006,7 +2998,7 @@
             </a:r>
             <a:r>
               <a:rPr kumimoji="1" lang="ja-JP" altLang="en-US" dirty="0"/>
-              <a:t>しました．</a:t>
+              <a:t>にしました．</a:t>
             </a:r>
             <a:endParaRPr kumimoji="1" lang="en-US" altLang="ja-JP" dirty="0"/>
           </a:p>
@@ -3099,28 +3091,11 @@
           <a:p>
             <a:r>
               <a:rPr kumimoji="1" lang="ja-JP" altLang="en-US" dirty="0"/>
-              <a:t>ごらんの図は，全営業日における損益の推移です．縦軸が損益，横軸が営業日です．初めはマイナスからスタートし，激しく上下しているものの最終的に利益が生み出せました．</a:t>
+              <a:t>ごらんの図は，全営業日における損益の推移です．縦軸が損益，横軸が営業日です．初めはマイナスからスタートし，激しく上下しているものの最終的に利益を獲得しました．</a:t>
             </a:r>
             <a:endParaRPr kumimoji="1" lang="en-US" altLang="ja-JP" dirty="0"/>
           </a:p>
           <a:p>
-            <a:pPr marL="0" marR="0" lvl="0" indent="0" algn="l" defTabSz="914400" rtl="0" eaLnBrk="1" fontAlgn="auto" latinLnBrk="0" hangingPunct="1">
-              <a:lnSpc>
-                <a:spcPct val="100000"/>
-              </a:lnSpc>
-              <a:spcBef>
-                <a:spcPts val="0"/>
-              </a:spcBef>
-              <a:spcAft>
-                <a:spcPts val="0"/>
-              </a:spcAft>
-              <a:buClrTx/>
-              <a:buSzTx/>
-              <a:buFontTx/>
-              <a:buNone/>
-              <a:tabLst/>
-              <a:defRPr/>
-            </a:pPr>
             <a:r>
               <a:rPr kumimoji="1" lang="ja-JP" altLang="en-US" dirty="0"/>
               <a:t>しかし，</a:t>
@@ -3311,7 +3286,7 @@
             </a:pPr>
             <a:r>
               <a:rPr kumimoji="1" lang="ja-JP" altLang="en-US" dirty="0"/>
-              <a:t>このことから，株価が上昇傾向から下降傾向変化しても，エージェントは株価の上昇トレンドが続いていると判断しているのではないかと考えました．</a:t>
+              <a:t>このことから，株価が上昇傾向から下降傾向に変化しても，エージェントは株価の上昇トレンドが続いていると判断しているのではないかと考えました．</a:t>
             </a:r>
           </a:p>
           <a:p>
@@ -3430,7 +3405,15 @@
             </a:r>
             <a:r>
               <a:rPr kumimoji="1" lang="ja-JP" altLang="en-US" dirty="0"/>
-              <a:t>万上昇しており，今実験でエージェントが得た利益より</a:t>
+              <a:t>万上昇しており，</a:t>
+            </a:r>
+            <a:r>
+              <a:rPr kumimoji="1" lang="en-US" altLang="ja-JP" dirty="0"/>
+              <a:t>Deep Q-Network</a:t>
+            </a:r>
+            <a:r>
+              <a:rPr kumimoji="1" lang="ja-JP" altLang="en-US" dirty="0"/>
+              <a:t>を用いてエージェントが得た利益より</a:t>
             </a:r>
             <a:r>
               <a:rPr kumimoji="1" lang="en-US" altLang="ja-JP" dirty="0"/>
@@ -3531,7 +3514,7 @@
           <a:p>
             <a:r>
               <a:rPr kumimoji="1" lang="ja-JP" altLang="en-US" dirty="0"/>
-              <a:t>最後にまとめと今後の課題です</a:t>
+              <a:t>最後に，まとめと今後の課題です</a:t>
             </a:r>
           </a:p>
         </p:txBody>
@@ -4053,7 +4036,7 @@
           <a:p>
             <a:r>
               <a:rPr kumimoji="1" lang="ja-JP" altLang="en-US" dirty="0"/>
-              <a:t>株取引の戦略を学習させることを本実験の目的としました．</a:t>
+              <a:t>株取引戦略を学習させることを本実験の目的としました．</a:t>
             </a:r>
           </a:p>
         </p:txBody>
@@ -4454,7 +4437,15 @@
             </a:r>
             <a:r>
               <a:rPr kumimoji="1" lang="ja-JP" altLang="en-US" dirty="0"/>
-              <a:t>はイーロンマスクらが設立した非営利団体で，</a:t>
+              <a:t>はイーロンマスクらが</a:t>
+            </a:r>
+            <a:r>
+              <a:rPr kumimoji="1" lang="en-US" altLang="ja-JP" dirty="0"/>
+              <a:t>2015</a:t>
+            </a:r>
+            <a:r>
+              <a:rPr kumimoji="1" lang="ja-JP" altLang="en-US" dirty="0"/>
+              <a:t>年に設立した非営利団体で，</a:t>
             </a:r>
             <a:r>
               <a:rPr kumimoji="1" lang="en-US" altLang="ja-JP" dirty="0"/>
@@ -4462,7 +4453,7 @@
             </a:r>
             <a:r>
               <a:rPr kumimoji="1" lang="ja-JP" altLang="en-US" dirty="0"/>
-              <a:t>は強化学習のシュミレーションプラットホームです</a:t>
+              <a:t>はこの団体が作成した強化学習のシュミレーションプラットホームです</a:t>
             </a:r>
           </a:p>
         </p:txBody>
@@ -4558,7 +4549,7 @@
             </a:r>
             <a:r>
               <a:rPr kumimoji="1" lang="ja-JP" altLang="en-US" dirty="0"/>
-              <a:t>はごらんの図のような倒立振子のゲームです．カートを制御してポールを立て続けることを課題としています．</a:t>
+              <a:t>はごらんの図のような倒立振子の環境です．カートを制御してポールを立て続けることを課題としています．</a:t>
             </a:r>
           </a:p>
         </p:txBody>
@@ -4730,7 +4721,7 @@
           <a:p>
             <a:fld id="{56B15C1F-6BF6-45D3-8726-724EF9B3100F}" type="datetime1">
               <a:rPr kumimoji="1" lang="ja-JP" altLang="en-US" smtClean="0"/>
-              <a:t>2021/1/23</a:t>
+              <a:t>2021/1/24</a:t>
             </a:fld>
             <a:endParaRPr kumimoji="1" lang="ja-JP" altLang="en-US"/>
           </a:p>
@@ -4933,7 +4924,7 @@
           <a:p>
             <a:fld id="{C66D783A-64AA-4DF0-A5E2-17BCD9DFA5DD}" type="datetime1">
               <a:rPr kumimoji="1" lang="ja-JP" altLang="en-US" smtClean="0"/>
-              <a:t>2021/1/23</a:t>
+              <a:t>2021/1/24</a:t>
             </a:fld>
             <a:endParaRPr kumimoji="1" lang="ja-JP" altLang="en-US"/>
           </a:p>
@@ -5145,7 +5136,7 @@
           <a:p>
             <a:fld id="{955C1EC1-0258-4ACD-82B8-82B5DB56CA01}" type="datetime1">
               <a:rPr kumimoji="1" lang="ja-JP" altLang="en-US" smtClean="0"/>
-              <a:t>2021/1/23</a:t>
+              <a:t>2021/1/24</a:t>
             </a:fld>
             <a:endParaRPr kumimoji="1" lang="ja-JP" altLang="en-US"/>
           </a:p>
@@ -5347,7 +5338,7 @@
           <a:p>
             <a:fld id="{06CC9235-06BD-4B2C-BA28-FDC3D8F2E49B}" type="datetime1">
               <a:rPr kumimoji="1" lang="ja-JP" altLang="en-US" smtClean="0"/>
-              <a:t>2021/1/23</a:t>
+              <a:t>2021/1/24</a:t>
             </a:fld>
             <a:endParaRPr kumimoji="1" lang="ja-JP" altLang="en-US"/>
           </a:p>
@@ -5596,7 +5587,7 @@
           <a:p>
             <a:fld id="{09F8F33B-C146-49E3-BF54-5BF887CD8487}" type="datetime1">
               <a:rPr kumimoji="1" lang="ja-JP" altLang="en-US" smtClean="0"/>
-              <a:t>2021/1/23</a:t>
+              <a:t>2021/1/24</a:t>
             </a:fld>
             <a:endParaRPr kumimoji="1" lang="ja-JP" altLang="en-US"/>
           </a:p>
@@ -5892,7 +5883,7 @@
           <a:p>
             <a:fld id="{AE6202B6-FB58-4B6E-9744-4B3E23D6B01F}" type="datetime1">
               <a:rPr kumimoji="1" lang="ja-JP" altLang="en-US" smtClean="0"/>
-              <a:t>2021/1/23</a:t>
+              <a:t>2021/1/24</a:t>
             </a:fld>
             <a:endParaRPr kumimoji="1" lang="ja-JP" altLang="en-US"/>
           </a:p>
@@ -6323,7 +6314,7 @@
           <a:p>
             <a:fld id="{FE085447-84D2-477C-94F6-F318F6A25B9D}" type="datetime1">
               <a:rPr kumimoji="1" lang="ja-JP" altLang="en-US" smtClean="0"/>
-              <a:t>2021/1/23</a:t>
+              <a:t>2021/1/24</a:t>
             </a:fld>
             <a:endParaRPr kumimoji="1" lang="ja-JP" altLang="en-US"/>
           </a:p>
@@ -6441,7 +6432,7 @@
           <a:p>
             <a:fld id="{1D5AED90-BEF4-4B7C-8090-88CCCBE07C96}" type="datetime1">
               <a:rPr kumimoji="1" lang="ja-JP" altLang="en-US" smtClean="0"/>
-              <a:t>2021/1/23</a:t>
+              <a:t>2021/1/24</a:t>
             </a:fld>
             <a:endParaRPr kumimoji="1" lang="ja-JP" altLang="en-US"/>
           </a:p>
@@ -6536,7 +6527,7 @@
           <a:p>
             <a:fld id="{2FD2EA65-85A7-4DD5-92F5-9BB87412AAF4}" type="datetime1">
               <a:rPr kumimoji="1" lang="ja-JP" altLang="en-US" smtClean="0"/>
-              <a:t>2021/1/23</a:t>
+              <a:t>2021/1/24</a:t>
             </a:fld>
             <a:endParaRPr kumimoji="1" lang="ja-JP" altLang="en-US"/>
           </a:p>
@@ -6845,7 +6836,7 @@
           <a:p>
             <a:fld id="{A49A24FE-BEA1-498A-B3F4-2F06C798A3BF}" type="datetime1">
               <a:rPr kumimoji="1" lang="ja-JP" altLang="en-US" smtClean="0"/>
-              <a:t>2021/1/23</a:t>
+              <a:t>2021/1/24</a:t>
             </a:fld>
             <a:endParaRPr kumimoji="1" lang="ja-JP" altLang="en-US"/>
           </a:p>
@@ -7102,7 +7093,7 @@
           <a:p>
             <a:fld id="{A4B2F8F1-20A3-4A34-A5FE-0BE94C2B6D6A}" type="datetime1">
               <a:rPr kumimoji="1" lang="ja-JP" altLang="en-US" smtClean="0"/>
-              <a:t>2021/1/23</a:t>
+              <a:t>2021/1/24</a:t>
             </a:fld>
             <a:endParaRPr kumimoji="1" lang="ja-JP" altLang="en-US"/>
           </a:p>
@@ -7347,7 +7338,7 @@
           <a:p>
             <a:fld id="{C2107258-1AFB-4D28-AFB3-971671FF0450}" type="datetime1">
               <a:rPr kumimoji="1" lang="ja-JP" altLang="en-US" smtClean="0"/>
-              <a:t>2021/1/23</a:t>
+              <a:t>2021/1/24</a:t>
             </a:fld>
             <a:endParaRPr kumimoji="1" lang="ja-JP" altLang="en-US"/>
           </a:p>
@@ -8360,7 +8351,7 @@
         </p:nvSpPr>
         <p:spPr>
           <a:xfrm>
-            <a:off x="2120666" y="4912570"/>
+            <a:off x="2113633" y="4340836"/>
             <a:ext cx="476252" cy="485775"/>
           </a:xfrm>
           <a:prstGeom prst="ellipse">
@@ -8404,7 +8395,7 @@
         </p:nvSpPr>
         <p:spPr>
           <a:xfrm>
-            <a:off x="2126018" y="3671176"/>
+            <a:off x="2098032" y="3364676"/>
             <a:ext cx="476252" cy="485775"/>
           </a:xfrm>
           <a:prstGeom prst="ellipse">
@@ -8448,7 +8439,7 @@
         </p:nvSpPr>
         <p:spPr>
           <a:xfrm>
-            <a:off x="3393789" y="3929062"/>
+            <a:off x="3393789" y="3869778"/>
             <a:ext cx="476252" cy="485775"/>
           </a:xfrm>
           <a:prstGeom prst="ellipse">
@@ -8492,7 +8483,7 @@
         </p:nvSpPr>
         <p:spPr>
           <a:xfrm>
-            <a:off x="3415215" y="3180186"/>
+            <a:off x="3388036" y="2867846"/>
             <a:ext cx="476252" cy="485775"/>
           </a:xfrm>
           <a:prstGeom prst="ellipse">
@@ -8536,7 +8527,7 @@
         </p:nvSpPr>
         <p:spPr>
           <a:xfrm>
-            <a:off x="3388036" y="5440377"/>
+            <a:off x="3388036" y="5813506"/>
             <a:ext cx="476252" cy="485775"/>
           </a:xfrm>
           <a:prstGeom prst="ellipse">
@@ -8580,7 +8571,7 @@
         </p:nvSpPr>
         <p:spPr>
           <a:xfrm>
-            <a:off x="3388036" y="4680505"/>
+            <a:off x="3385790" y="4931751"/>
             <a:ext cx="476252" cy="485775"/>
           </a:xfrm>
           <a:prstGeom prst="ellipse">
@@ -8624,7 +8615,7 @@
         </p:nvSpPr>
         <p:spPr>
           <a:xfrm rot="8272189">
-            <a:off x="4576920" y="3878405"/>
+            <a:off x="4576520" y="3881946"/>
             <a:ext cx="476252" cy="485775"/>
           </a:xfrm>
           <a:prstGeom prst="ellipse">
@@ -8668,7 +8659,7 @@
         </p:nvSpPr>
         <p:spPr>
           <a:xfrm rot="8272189">
-            <a:off x="4576921" y="3176606"/>
+            <a:off x="4576520" y="2885895"/>
             <a:ext cx="476252" cy="485775"/>
           </a:xfrm>
           <a:prstGeom prst="ellipse">
@@ -8712,7 +8703,7 @@
         </p:nvSpPr>
         <p:spPr>
           <a:xfrm rot="8272189">
-            <a:off x="4576921" y="5414542"/>
+            <a:off x="4568080" y="5813506"/>
             <a:ext cx="476252" cy="485775"/>
           </a:xfrm>
           <a:prstGeom prst="ellipse">
@@ -8756,7 +8747,7 @@
         </p:nvSpPr>
         <p:spPr>
           <a:xfrm rot="8272189">
-            <a:off x="4576921" y="4674445"/>
+            <a:off x="4568080" y="4962169"/>
             <a:ext cx="476252" cy="485775"/>
           </a:xfrm>
           <a:prstGeom prst="ellipse">
@@ -8931,8 +8922,8 @@
         </p:nvCxnSpPr>
         <p:spPr>
           <a:xfrm flipV="1">
-            <a:off x="2602270" y="3423074"/>
-            <a:ext cx="812945" cy="490990"/>
+            <a:off x="2574284" y="3110734"/>
+            <a:ext cx="813752" cy="496830"/>
           </a:xfrm>
           <a:prstGeom prst="straightConnector1">
             <a:avLst/>
@@ -8980,8 +8971,8 @@
         </p:nvCxnSpPr>
         <p:spPr>
           <a:xfrm>
-            <a:off x="2602270" y="3914064"/>
-            <a:ext cx="791519" cy="257886"/>
+            <a:off x="2574284" y="3607564"/>
+            <a:ext cx="819505" cy="505102"/>
           </a:xfrm>
           <a:prstGeom prst="straightConnector1">
             <a:avLst/>
@@ -9022,8 +9013,8 @@
         </p:nvCxnSpPr>
         <p:spPr>
           <a:xfrm>
-            <a:off x="2602270" y="3914064"/>
-            <a:ext cx="785766" cy="1009329"/>
+            <a:off x="2574284" y="3607564"/>
+            <a:ext cx="811506" cy="1567075"/>
           </a:xfrm>
           <a:prstGeom prst="straightConnector1">
             <a:avLst/>
@@ -9065,8 +9056,8 @@
         </p:nvCxnSpPr>
         <p:spPr>
           <a:xfrm>
-            <a:off x="2602270" y="3914064"/>
-            <a:ext cx="785766" cy="1769201"/>
+            <a:off x="2574284" y="3607564"/>
+            <a:ext cx="813752" cy="2448830"/>
           </a:xfrm>
           <a:prstGeom prst="straightConnector1">
             <a:avLst/>
@@ -9108,8 +9099,8 @@
         </p:nvCxnSpPr>
         <p:spPr>
           <a:xfrm flipV="1">
-            <a:off x="2596918" y="3423074"/>
-            <a:ext cx="818297" cy="1732384"/>
+            <a:off x="2589885" y="3110734"/>
+            <a:ext cx="798151" cy="1472990"/>
           </a:xfrm>
           <a:prstGeom prst="straightConnector1">
             <a:avLst/>
@@ -9151,8 +9142,8 @@
         </p:nvCxnSpPr>
         <p:spPr>
           <a:xfrm flipV="1">
-            <a:off x="2596918" y="4171950"/>
-            <a:ext cx="796871" cy="983508"/>
+            <a:off x="2589885" y="4112666"/>
+            <a:ext cx="803904" cy="471058"/>
           </a:xfrm>
           <a:prstGeom prst="straightConnector1">
             <a:avLst/>
@@ -9193,9 +9184,9 @@
           <p:nvPr/>
         </p:nvCxnSpPr>
         <p:spPr>
-          <a:xfrm flipV="1">
-            <a:off x="2596918" y="4923393"/>
-            <a:ext cx="791118" cy="232065"/>
+          <a:xfrm>
+            <a:off x="2589885" y="4583724"/>
+            <a:ext cx="795905" cy="590915"/>
           </a:xfrm>
           <a:prstGeom prst="straightConnector1">
             <a:avLst/>
@@ -9237,8 +9228,8 @@
         </p:nvCxnSpPr>
         <p:spPr>
           <a:xfrm>
-            <a:off x="2596918" y="5155458"/>
-            <a:ext cx="791118" cy="527807"/>
+            <a:off x="2589885" y="4583724"/>
+            <a:ext cx="798151" cy="1472670"/>
           </a:xfrm>
           <a:prstGeom prst="straightConnector1">
             <a:avLst/>
@@ -9280,8 +9271,8 @@
         </p:nvCxnSpPr>
         <p:spPr>
           <a:xfrm>
-            <a:off x="5055133" y="3433912"/>
-            <a:ext cx="735720" cy="474937"/>
+            <a:off x="5054732" y="3143201"/>
+            <a:ext cx="736121" cy="765648"/>
           </a:xfrm>
           <a:prstGeom prst="straightConnector1">
             <a:avLst/>
@@ -9323,8 +9314,8 @@
         </p:nvCxnSpPr>
         <p:spPr>
           <a:xfrm flipV="1">
-            <a:off x="5055132" y="3908849"/>
-            <a:ext cx="735721" cy="226862"/>
+            <a:off x="5054732" y="3908849"/>
+            <a:ext cx="736121" cy="230403"/>
           </a:xfrm>
           <a:prstGeom prst="straightConnector1">
             <a:avLst/>
@@ -9366,8 +9357,8 @@
         </p:nvCxnSpPr>
         <p:spPr>
           <a:xfrm flipV="1">
-            <a:off x="5055133" y="3908849"/>
-            <a:ext cx="735720" cy="1022902"/>
+            <a:off x="5046292" y="3908849"/>
+            <a:ext cx="744561" cy="1310626"/>
           </a:xfrm>
           <a:prstGeom prst="straightConnector1">
             <a:avLst/>
@@ -9409,8 +9400,8 @@
         </p:nvCxnSpPr>
         <p:spPr>
           <a:xfrm flipV="1">
-            <a:off x="5055133" y="3908849"/>
-            <a:ext cx="735720" cy="1762999"/>
+            <a:off x="5046292" y="3908849"/>
+            <a:ext cx="744561" cy="2161963"/>
           </a:xfrm>
           <a:prstGeom prst="straightConnector1">
             <a:avLst/>
@@ -9452,8 +9443,8 @@
         </p:nvCxnSpPr>
         <p:spPr>
           <a:xfrm>
-            <a:off x="5055133" y="3433912"/>
-            <a:ext cx="735720" cy="1730438"/>
+            <a:off x="5054732" y="3143201"/>
+            <a:ext cx="736121" cy="2021149"/>
           </a:xfrm>
           <a:prstGeom prst="straightConnector1">
             <a:avLst/>
@@ -9495,8 +9486,8 @@
         </p:nvCxnSpPr>
         <p:spPr>
           <a:xfrm>
-            <a:off x="5055132" y="4135711"/>
-            <a:ext cx="735721" cy="1028639"/>
+            <a:off x="5054732" y="4139252"/>
+            <a:ext cx="736121" cy="1025098"/>
           </a:xfrm>
           <a:prstGeom prst="straightConnector1">
             <a:avLst/>
@@ -9537,9 +9528,9 @@
           <p:nvPr/>
         </p:nvCxnSpPr>
         <p:spPr>
-          <a:xfrm>
-            <a:off x="5055133" y="4931751"/>
-            <a:ext cx="735720" cy="232599"/>
+          <a:xfrm flipV="1">
+            <a:off x="5046292" y="5164350"/>
+            <a:ext cx="744561" cy="55125"/>
           </a:xfrm>
           <a:prstGeom prst="straightConnector1">
             <a:avLst/>
@@ -9581,8 +9572,8 @@
         </p:nvCxnSpPr>
         <p:spPr>
           <a:xfrm flipV="1">
-            <a:off x="5055133" y="5164350"/>
-            <a:ext cx="735720" cy="507498"/>
+            <a:off x="5046292" y="5164350"/>
+            <a:ext cx="744561" cy="906462"/>
           </a:xfrm>
           <a:prstGeom prst="straightConnector1">
             <a:avLst/>
@@ -9620,7 +9611,7 @@
         </p:nvSpPr>
         <p:spPr>
           <a:xfrm>
-            <a:off x="647523" y="3729007"/>
+            <a:off x="698136" y="3450341"/>
             <a:ext cx="1595022" cy="400110"/>
           </a:xfrm>
           <a:prstGeom prst="rect">
@@ -9636,8 +9627,13 @@
           <a:p>
             <a:r>
               <a:rPr kumimoji="1" lang="ja-JP" altLang="en-US" sz="2000" dirty="0"/>
-              <a:t>状態を入力</a:t>
-            </a:r>
+              <a:t>状態変数</a:t>
+            </a:r>
+            <a:r>
+              <a:rPr kumimoji="1" lang="en-US" altLang="ja-JP" sz="2000" dirty="0"/>
+              <a:t>1</a:t>
+            </a:r>
+            <a:endParaRPr kumimoji="1" lang="ja-JP" altLang="en-US" sz="2000" dirty="0"/>
           </a:p>
         </p:txBody>
       </p:sp>
@@ -9757,7 +9753,7 @@
         </p:nvSpPr>
         <p:spPr>
           <a:xfrm>
-            <a:off x="617945" y="4967252"/>
+            <a:off x="676526" y="4391101"/>
             <a:ext cx="1595022" cy="400110"/>
           </a:xfrm>
           <a:prstGeom prst="rect">
@@ -9773,11 +9769,270 @@
           <a:p>
             <a:r>
               <a:rPr kumimoji="1" lang="ja-JP" altLang="en-US" sz="2000" dirty="0"/>
-              <a:t>状態を入力</a:t>
-            </a:r>
-          </a:p>
-        </p:txBody>
-      </p:sp>
+              <a:t>状態変数</a:t>
+            </a:r>
+            <a:r>
+              <a:rPr kumimoji="1" lang="en-US" altLang="ja-JP" sz="2000" dirty="0"/>
+              <a:t>2</a:t>
+            </a:r>
+            <a:endParaRPr kumimoji="1" lang="ja-JP" altLang="en-US" sz="2000" dirty="0"/>
+          </a:p>
+        </p:txBody>
+      </p:sp>
+      <p:sp>
+        <p:nvSpPr>
+          <p:cNvPr id="80" name="楕円 79">
+            <a:extLst>
+              <a:ext uri="{FF2B5EF4-FFF2-40B4-BE49-F238E27FC236}">
+                <a16:creationId xmlns:a16="http://schemas.microsoft.com/office/drawing/2014/main" id="{6C53C4E9-CE1B-483D-8781-77E4C366D729}"/>
+              </a:ext>
+            </a:extLst>
+          </p:cNvPr>
+          <p:cNvSpPr/>
+          <p:nvPr/>
+        </p:nvSpPr>
+        <p:spPr>
+          <a:xfrm>
+            <a:off x="2098032" y="5288041"/>
+            <a:ext cx="476252" cy="485775"/>
+          </a:xfrm>
+          <a:prstGeom prst="ellipse">
+            <a:avLst/>
+          </a:prstGeom>
+        </p:spPr>
+        <p:style>
+          <a:lnRef idx="2">
+            <a:schemeClr val="accent4"/>
+          </a:lnRef>
+          <a:fillRef idx="1">
+            <a:schemeClr val="lt1"/>
+          </a:fillRef>
+          <a:effectRef idx="0">
+            <a:schemeClr val="accent4"/>
+          </a:effectRef>
+          <a:fontRef idx="minor">
+            <a:schemeClr val="dk1"/>
+          </a:fontRef>
+        </p:style>
+        <p:txBody>
+          <a:bodyPr rtlCol="0" anchor="ctr"/>
+          <a:lstStyle/>
+          <a:p>
+            <a:pPr algn="ctr"/>
+            <a:endParaRPr kumimoji="1" lang="ja-JP" altLang="en-US" sz="1350"/>
+          </a:p>
+        </p:txBody>
+      </p:sp>
+      <p:sp>
+        <p:nvSpPr>
+          <p:cNvPr id="81" name="テキスト ボックス 80">
+            <a:extLst>
+              <a:ext uri="{FF2B5EF4-FFF2-40B4-BE49-F238E27FC236}">
+                <a16:creationId xmlns:a16="http://schemas.microsoft.com/office/drawing/2014/main" id="{DDAA1655-020F-4D22-8DF8-9A81911E23D7}"/>
+              </a:ext>
+            </a:extLst>
+          </p:cNvPr>
+          <p:cNvSpPr txBox="1"/>
+          <p:nvPr/>
+        </p:nvSpPr>
+        <p:spPr>
+          <a:xfrm>
+            <a:off x="670700" y="5379943"/>
+            <a:ext cx="1595022" cy="400110"/>
+          </a:xfrm>
+          <a:prstGeom prst="rect">
+            <a:avLst/>
+          </a:prstGeom>
+          <a:noFill/>
+        </p:spPr>
+        <p:txBody>
+          <a:bodyPr wrap="square" rtlCol="0">
+            <a:spAutoFit/>
+          </a:bodyPr>
+          <a:lstStyle/>
+          <a:p>
+            <a:r>
+              <a:rPr kumimoji="1" lang="ja-JP" altLang="en-US" sz="2000" dirty="0"/>
+              <a:t>状態変数</a:t>
+            </a:r>
+            <a:r>
+              <a:rPr kumimoji="1" lang="en-US" altLang="ja-JP" sz="2000" dirty="0"/>
+              <a:t>3</a:t>
+            </a:r>
+            <a:endParaRPr kumimoji="1" lang="ja-JP" altLang="en-US" sz="2000" dirty="0"/>
+          </a:p>
+        </p:txBody>
+      </p:sp>
+      <p:cxnSp>
+        <p:nvCxnSpPr>
+          <p:cNvPr id="74" name="直線矢印コネクタ 73">
+            <a:extLst>
+              <a:ext uri="{FF2B5EF4-FFF2-40B4-BE49-F238E27FC236}">
+                <a16:creationId xmlns:a16="http://schemas.microsoft.com/office/drawing/2014/main" id="{EB75A926-580F-4135-9D96-85E65BFC11AE}"/>
+              </a:ext>
+            </a:extLst>
+          </p:cNvPr>
+          <p:cNvCxnSpPr>
+            <a:stCxn id="80" idx="6"/>
+            <a:endCxn id="8" idx="2"/>
+          </p:cNvCxnSpPr>
+          <p:nvPr/>
+        </p:nvCxnSpPr>
+        <p:spPr>
+          <a:xfrm flipV="1">
+            <a:off x="2574284" y="3110734"/>
+            <a:ext cx="813752" cy="2420195"/>
+          </a:xfrm>
+          <a:prstGeom prst="straightConnector1">
+            <a:avLst/>
+          </a:prstGeom>
+          <a:ln>
+            <a:tailEnd type="triangle"/>
+          </a:ln>
+        </p:spPr>
+        <p:style>
+          <a:lnRef idx="1">
+            <a:schemeClr val="accent4"/>
+          </a:lnRef>
+          <a:fillRef idx="0">
+            <a:schemeClr val="accent4"/>
+          </a:fillRef>
+          <a:effectRef idx="0">
+            <a:schemeClr val="accent4"/>
+          </a:effectRef>
+          <a:fontRef idx="minor">
+            <a:schemeClr val="tx1"/>
+          </a:fontRef>
+        </p:style>
+      </p:cxnSp>
+      <p:cxnSp>
+        <p:nvCxnSpPr>
+          <p:cNvPr id="82" name="直線矢印コネクタ 81">
+            <a:extLst>
+              <a:ext uri="{FF2B5EF4-FFF2-40B4-BE49-F238E27FC236}">
+                <a16:creationId xmlns:a16="http://schemas.microsoft.com/office/drawing/2014/main" id="{04D7246F-3FA1-41E3-839B-44DFE111FB7F}"/>
+              </a:ext>
+            </a:extLst>
+          </p:cNvPr>
+          <p:cNvCxnSpPr>
+            <a:stCxn id="80" idx="6"/>
+            <a:endCxn id="9" idx="2"/>
+          </p:cNvCxnSpPr>
+          <p:nvPr/>
+        </p:nvCxnSpPr>
+        <p:spPr>
+          <a:xfrm>
+            <a:off x="2574284" y="5530929"/>
+            <a:ext cx="813752" cy="525465"/>
+          </a:xfrm>
+          <a:prstGeom prst="straightConnector1">
+            <a:avLst/>
+          </a:prstGeom>
+          <a:ln>
+            <a:tailEnd type="triangle"/>
+          </a:ln>
+        </p:spPr>
+        <p:style>
+          <a:lnRef idx="1">
+            <a:schemeClr val="accent4"/>
+          </a:lnRef>
+          <a:fillRef idx="0">
+            <a:schemeClr val="accent4"/>
+          </a:fillRef>
+          <a:effectRef idx="0">
+            <a:schemeClr val="accent4"/>
+          </a:effectRef>
+          <a:fontRef idx="minor">
+            <a:schemeClr val="tx1"/>
+          </a:fontRef>
+        </p:style>
+      </p:cxnSp>
+      <p:cxnSp>
+        <p:nvCxnSpPr>
+          <p:cNvPr id="83" name="直線矢印コネクタ 82">
+            <a:extLst>
+              <a:ext uri="{FF2B5EF4-FFF2-40B4-BE49-F238E27FC236}">
+                <a16:creationId xmlns:a16="http://schemas.microsoft.com/office/drawing/2014/main" id="{713722C1-1706-41E9-971D-8A1FA90DB831}"/>
+              </a:ext>
+            </a:extLst>
+          </p:cNvPr>
+          <p:cNvCxnSpPr>
+            <a:cxnSpLocks/>
+            <a:stCxn id="80" idx="6"/>
+            <a:endCxn id="10" idx="2"/>
+          </p:cNvCxnSpPr>
+          <p:nvPr/>
+        </p:nvCxnSpPr>
+        <p:spPr>
+          <a:xfrm flipV="1">
+            <a:off x="2574284" y="5174639"/>
+            <a:ext cx="811506" cy="356290"/>
+          </a:xfrm>
+          <a:prstGeom prst="straightConnector1">
+            <a:avLst/>
+          </a:prstGeom>
+          <a:ln>
+            <a:tailEnd type="triangle"/>
+          </a:ln>
+        </p:spPr>
+        <p:style>
+          <a:lnRef idx="1">
+            <a:schemeClr val="accent4"/>
+          </a:lnRef>
+          <a:fillRef idx="0">
+            <a:schemeClr val="accent4"/>
+          </a:fillRef>
+          <a:effectRef idx="0">
+            <a:schemeClr val="accent4"/>
+          </a:effectRef>
+          <a:fontRef idx="minor">
+            <a:schemeClr val="tx1"/>
+          </a:fontRef>
+        </p:style>
+      </p:cxnSp>
+      <p:cxnSp>
+        <p:nvCxnSpPr>
+          <p:cNvPr id="86" name="直線矢印コネクタ 85">
+            <a:extLst>
+              <a:ext uri="{FF2B5EF4-FFF2-40B4-BE49-F238E27FC236}">
+                <a16:creationId xmlns:a16="http://schemas.microsoft.com/office/drawing/2014/main" id="{4C1C2E53-3FA9-489E-B336-2CCF00AABACB}"/>
+              </a:ext>
+            </a:extLst>
+          </p:cNvPr>
+          <p:cNvCxnSpPr>
+            <a:cxnSpLocks/>
+            <a:stCxn id="80" idx="6"/>
+            <a:endCxn id="7" idx="2"/>
+          </p:cNvCxnSpPr>
+          <p:nvPr/>
+        </p:nvCxnSpPr>
+        <p:spPr>
+          <a:xfrm flipV="1">
+            <a:off x="2574284" y="4112666"/>
+            <a:ext cx="819505" cy="1418263"/>
+          </a:xfrm>
+          <a:prstGeom prst="straightConnector1">
+            <a:avLst/>
+          </a:prstGeom>
+          <a:ln>
+            <a:tailEnd type="triangle"/>
+          </a:ln>
+        </p:spPr>
+        <p:style>
+          <a:lnRef idx="1">
+            <a:schemeClr val="accent4"/>
+          </a:lnRef>
+          <a:fillRef idx="0">
+            <a:schemeClr val="accent4"/>
+          </a:fillRef>
+          <a:effectRef idx="0">
+            <a:schemeClr val="accent4"/>
+          </a:effectRef>
+          <a:fontRef idx="minor">
+            <a:schemeClr val="tx1"/>
+          </a:fontRef>
+        </p:style>
+      </p:cxnSp>
     </p:spTree>
     <p:extLst>
       <p:ext uri="{BB962C8B-B14F-4D97-AF65-F5344CB8AC3E}">
@@ -10355,7 +10610,7 @@
                       <m:sSub>
                         <m:sSubPr>
                           <m:ctrlPr>
-                            <a:rPr lang="en-US" altLang="ja-JP" sz="2000" i="1">
+                            <a:rPr lang="en-US" altLang="ja-JP" sz="2000" i="1" smtClean="0">
                               <a:solidFill>
                                 <a:srgbClr val="FFFF00"/>
                               </a:solidFill>
@@ -11096,7 +11351,14 @@
                 </a14:m>
                 <a:r>
                   <a:rPr lang="ja-JP" altLang="en-US" sz="2400" dirty="0"/>
-                  <a:t>は教師信号用のニューラルネットワークで，</a:t>
+                  <a:t>は教師信号用のニューラルネット</a:t>
+                </a:r>
+                <a:br>
+                  <a:rPr lang="en-US" altLang="ja-JP" sz="2400" dirty="0"/>
+                </a:br>
+                <a:r>
+                  <a:rPr lang="ja-JP" altLang="en-US" sz="2400" dirty="0"/>
+                  <a:t>ワークで，</a:t>
                 </a:r>
                 <a:r>
                   <a:rPr lang="en-US" altLang="ja-JP" sz="2400" dirty="0"/>
@@ -11633,8 +11895,8 @@
           </a:p>
         </p:txBody>
       </p:sp>
-      <mc:AlternateContent xmlns:mc="http://schemas.openxmlformats.org/markup-compatibility/2006">
-        <mc:Choice xmlns:a14="http://schemas.microsoft.com/office/drawing/2010/main" Requires="a14">
+      <mc:AlternateContent xmlns:mc="http://schemas.openxmlformats.org/markup-compatibility/2006" xmlns:a14="http://schemas.microsoft.com/office/drawing/2010/main">
+        <mc:Choice Requires="a14">
           <p:sp>
             <p:nvSpPr>
               <p:cNvPr id="3" name="コンテンツ プレースホルダー 2">
@@ -11802,7 +12064,7 @@
             </p:txBody>
           </p:sp>
         </mc:Choice>
-        <mc:Fallback>
+        <mc:Fallback xmlns="">
           <p:sp>
             <p:nvSpPr>
               <p:cNvPr id="3" name="コンテンツ プレースホルダー 2">
@@ -12000,7 +12262,7 @@
             </a:br>
             <a:r>
               <a:rPr lang="ja-JP" altLang="en-US" dirty="0"/>
-              <a:t>定めたステップ数以上立っていたら </a:t>
+              <a:t>定めたステップ数以上立ち続けたら</a:t>
             </a:r>
             <a:r>
               <a:rPr lang="en-US" altLang="ja-JP" dirty="0"/>
@@ -14186,7 +14448,14 @@
             </a:r>
             <a:r>
               <a:rPr lang="ja-JP" altLang="en-US" dirty="0"/>
-              <a:t>年間の四本値と出来高を取得</a:t>
+              <a:t>年間の</a:t>
+            </a:r>
+            <a:br>
+              <a:rPr lang="en-US" altLang="ja-JP" dirty="0"/>
+            </a:br>
+            <a:r>
+              <a:rPr lang="ja-JP" altLang="en-US" dirty="0"/>
+              <a:t>四本値と出来高を利用</a:t>
             </a:r>
             <a:endParaRPr lang="en-US" altLang="ja-JP" dirty="0"/>
           </a:p>
@@ -14204,7 +14473,7 @@
             </a:r>
             <a:r>
               <a:rPr kumimoji="1" lang="ja-JP" altLang="en-US" dirty="0"/>
-              <a:t>株買うか買わないかの行動をする．（当日の最後に売却）</a:t>
+              <a:t>株買うか買わないかの行動（当日の最後に売却）</a:t>
             </a:r>
             <a:endParaRPr kumimoji="1" lang="en-US" altLang="ja-JP" dirty="0"/>
           </a:p>
@@ -17353,15 +17622,7 @@
             </a:r>
             <a:r>
               <a:rPr lang="ja-JP" altLang="en-US" dirty="0"/>
-              <a:t>：</a:t>
-            </a:r>
-            <a:r>
-              <a:rPr lang="en-US" altLang="ja-JP" dirty="0"/>
-              <a:t>Open AI</a:t>
-            </a:r>
-            <a:r>
-              <a:rPr lang="ja-JP" altLang="en-US" dirty="0"/>
-              <a:t>が作成した強化学習のシュミレーションプラットホーム</a:t>
+              <a:t>：強化学習のシュミレーションプラットホーム</a:t>
             </a:r>
             <a:endParaRPr lang="en-US" altLang="ja-JP" dirty="0"/>
           </a:p>
@@ -17488,24 +17749,19 @@
               <a:t> ：</a:t>
             </a:r>
             <a:r>
-              <a:rPr lang="en-US" altLang="ja-JP" dirty="0"/>
-              <a:t>G</a:t>
-            </a:r>
-            <a:r>
               <a:rPr kumimoji="1" lang="en-US" altLang="ja-JP" dirty="0"/>
-              <a:t>ym</a:t>
-            </a:r>
-            <a:r>
-              <a:rPr kumimoji="1" lang="ja-JP" altLang="en-US" dirty="0"/>
-              <a:t>に用意されている倒立振子のゲーム</a:t>
-            </a:r>
-            <a:endParaRPr lang="en-US" altLang="ja-JP" dirty="0"/>
-          </a:p>
-          <a:p>
-            <a:pPr lvl="1"/>
-            <a:r>
-              <a:rPr kumimoji="1" lang="ja-JP" altLang="en-US" dirty="0"/>
-              <a:t>カートを左右に動かすことでポールを立て続ける</a:t>
+              <a:t>Gym</a:t>
+            </a:r>
+            <a:r>
+              <a:rPr kumimoji="1" lang="ja-JP" altLang="en-US" dirty="0"/>
+              <a:t>の倒立振子を制御する環境カートを左右に動かすことでポールを</a:t>
+            </a:r>
+            <a:br>
+              <a:rPr kumimoji="1" lang="en-US" altLang="ja-JP" dirty="0"/>
+            </a:br>
+            <a:r>
+              <a:rPr kumimoji="1" lang="ja-JP" altLang="en-US" dirty="0"/>
+              <a:t>立て続ける</a:t>
             </a:r>
             <a:endParaRPr kumimoji="1" lang="en-US" altLang="ja-JP" dirty="0"/>
           </a:p>
@@ -17565,8 +17821,8 @@
         </p:blipFill>
         <p:spPr>
           <a:xfrm>
-            <a:off x="2992381" y="3310095"/>
-            <a:ext cx="3159237" cy="2643444"/>
+            <a:off x="2773369" y="3091433"/>
+            <a:ext cx="3597262" cy="3009955"/>
           </a:xfrm>
           <a:prstGeom prst="rect">
             <a:avLst/>
@@ -17877,7 +18133,27 @@
       </a:bgFillStyleLst>
     </a:fmtScheme>
   </a:themeElements>
-  <a:objectDefaults/>
+  <a:objectDefaults>
+    <a:lnDef>
+      <a:spPr/>
+      <a:bodyPr/>
+      <a:lstStyle/>
+      <a:style>
+        <a:lnRef idx="1">
+          <a:schemeClr val="accent4"/>
+        </a:lnRef>
+        <a:fillRef idx="0">
+          <a:schemeClr val="accent4"/>
+        </a:fillRef>
+        <a:effectRef idx="0">
+          <a:schemeClr val="accent4"/>
+        </a:effectRef>
+        <a:fontRef idx="minor">
+          <a:schemeClr val="tx1"/>
+        </a:fontRef>
+      </a:style>
+    </a:lnDef>
+  </a:objectDefaults>
   <a:extraClrSchemeLst/>
   <a:extLst>
     <a:ext uri="{05A4C25C-085E-4340-85A3-A5531E510DB2}">

--- a/B3/情報工学実験II_発表資料.pptx
+++ b/B3/情報工学実験II_発表資料.pptx
@@ -240,7 +240,7 @@
           <a:p>
             <a:fld id="{395CF92E-B54D-4A1E-A235-CB5B57676C68}" type="datetimeFigureOut">
               <a:rPr kumimoji="1" lang="ja-JP" altLang="en-US" smtClean="0"/>
-              <a:t>2021/1/24</a:t>
+              <a:t>2021/1/25</a:t>
             </a:fld>
             <a:endParaRPr kumimoji="1" lang="ja-JP" altLang="en-US"/>
           </a:p>
@@ -590,7 +590,15 @@
           <a:p>
             <a:r>
               <a:rPr kumimoji="1" lang="ja-JP" altLang="en-US" dirty="0"/>
-              <a:t>それでは，深層強化学習を用いた株取引エージェント学習と題しまして，ソフトウェアシステム研究グループ，尾關が発表します．</a:t>
+              <a:t>それでは，深層強化学習を用いた株取引エージェント学習と題しまして，ソフトウェアシステム研究グループ，</a:t>
+            </a:r>
+            <a:r>
+              <a:rPr kumimoji="1" lang="en-US" altLang="ja-JP"/>
+              <a:t>B3</a:t>
+            </a:r>
+            <a:r>
+              <a:rPr kumimoji="1" lang="ja-JP" altLang="en-US" dirty="0"/>
+              <a:t>尾關が発表します．</a:t>
             </a:r>
           </a:p>
         </p:txBody>
@@ -4721,7 +4729,7 @@
           <a:p>
             <a:fld id="{56B15C1F-6BF6-45D3-8726-724EF9B3100F}" type="datetime1">
               <a:rPr kumimoji="1" lang="ja-JP" altLang="en-US" smtClean="0"/>
-              <a:t>2021/1/24</a:t>
+              <a:t>2021/1/25</a:t>
             </a:fld>
             <a:endParaRPr kumimoji="1" lang="ja-JP" altLang="en-US"/>
           </a:p>
@@ -4924,7 +4932,7 @@
           <a:p>
             <a:fld id="{C66D783A-64AA-4DF0-A5E2-17BCD9DFA5DD}" type="datetime1">
               <a:rPr kumimoji="1" lang="ja-JP" altLang="en-US" smtClean="0"/>
-              <a:t>2021/1/24</a:t>
+              <a:t>2021/1/25</a:t>
             </a:fld>
             <a:endParaRPr kumimoji="1" lang="ja-JP" altLang="en-US"/>
           </a:p>
@@ -5136,7 +5144,7 @@
           <a:p>
             <a:fld id="{955C1EC1-0258-4ACD-82B8-82B5DB56CA01}" type="datetime1">
               <a:rPr kumimoji="1" lang="ja-JP" altLang="en-US" smtClean="0"/>
-              <a:t>2021/1/24</a:t>
+              <a:t>2021/1/25</a:t>
             </a:fld>
             <a:endParaRPr kumimoji="1" lang="ja-JP" altLang="en-US"/>
           </a:p>
@@ -5338,7 +5346,7 @@
           <a:p>
             <a:fld id="{06CC9235-06BD-4B2C-BA28-FDC3D8F2E49B}" type="datetime1">
               <a:rPr kumimoji="1" lang="ja-JP" altLang="en-US" smtClean="0"/>
-              <a:t>2021/1/24</a:t>
+              <a:t>2021/1/25</a:t>
             </a:fld>
             <a:endParaRPr kumimoji="1" lang="ja-JP" altLang="en-US"/>
           </a:p>
@@ -5587,7 +5595,7 @@
           <a:p>
             <a:fld id="{09F8F33B-C146-49E3-BF54-5BF887CD8487}" type="datetime1">
               <a:rPr kumimoji="1" lang="ja-JP" altLang="en-US" smtClean="0"/>
-              <a:t>2021/1/24</a:t>
+              <a:t>2021/1/25</a:t>
             </a:fld>
             <a:endParaRPr kumimoji="1" lang="ja-JP" altLang="en-US"/>
           </a:p>
@@ -5883,7 +5891,7 @@
           <a:p>
             <a:fld id="{AE6202B6-FB58-4B6E-9744-4B3E23D6B01F}" type="datetime1">
               <a:rPr kumimoji="1" lang="ja-JP" altLang="en-US" smtClean="0"/>
-              <a:t>2021/1/24</a:t>
+              <a:t>2021/1/25</a:t>
             </a:fld>
             <a:endParaRPr kumimoji="1" lang="ja-JP" altLang="en-US"/>
           </a:p>
@@ -6314,7 +6322,7 @@
           <a:p>
             <a:fld id="{FE085447-84D2-477C-94F6-F318F6A25B9D}" type="datetime1">
               <a:rPr kumimoji="1" lang="ja-JP" altLang="en-US" smtClean="0"/>
-              <a:t>2021/1/24</a:t>
+              <a:t>2021/1/25</a:t>
             </a:fld>
             <a:endParaRPr kumimoji="1" lang="ja-JP" altLang="en-US"/>
           </a:p>
@@ -6432,7 +6440,7 @@
           <a:p>
             <a:fld id="{1D5AED90-BEF4-4B7C-8090-88CCCBE07C96}" type="datetime1">
               <a:rPr kumimoji="1" lang="ja-JP" altLang="en-US" smtClean="0"/>
-              <a:t>2021/1/24</a:t>
+              <a:t>2021/1/25</a:t>
             </a:fld>
             <a:endParaRPr kumimoji="1" lang="ja-JP" altLang="en-US"/>
           </a:p>
@@ -6527,7 +6535,7 @@
           <a:p>
             <a:fld id="{2FD2EA65-85A7-4DD5-92F5-9BB87412AAF4}" type="datetime1">
               <a:rPr kumimoji="1" lang="ja-JP" altLang="en-US" smtClean="0"/>
-              <a:t>2021/1/24</a:t>
+              <a:t>2021/1/25</a:t>
             </a:fld>
             <a:endParaRPr kumimoji="1" lang="ja-JP" altLang="en-US"/>
           </a:p>
@@ -6836,7 +6844,7 @@
           <a:p>
             <a:fld id="{A49A24FE-BEA1-498A-B3F4-2F06C798A3BF}" type="datetime1">
               <a:rPr kumimoji="1" lang="ja-JP" altLang="en-US" smtClean="0"/>
-              <a:t>2021/1/24</a:t>
+              <a:t>2021/1/25</a:t>
             </a:fld>
             <a:endParaRPr kumimoji="1" lang="ja-JP" altLang="en-US"/>
           </a:p>
@@ -7093,7 +7101,7 @@
           <a:p>
             <a:fld id="{A4B2F8F1-20A3-4A34-A5FE-0BE94C2B6D6A}" type="datetime1">
               <a:rPr kumimoji="1" lang="ja-JP" altLang="en-US" smtClean="0"/>
-              <a:t>2021/1/24</a:t>
+              <a:t>2021/1/25</a:t>
             </a:fld>
             <a:endParaRPr kumimoji="1" lang="ja-JP" altLang="en-US"/>
           </a:p>
@@ -7338,7 +7346,7 @@
           <a:p>
             <a:fld id="{C2107258-1AFB-4D28-AFB3-971671FF0450}" type="datetime1">
               <a:rPr kumimoji="1" lang="ja-JP" altLang="en-US" smtClean="0"/>
-              <a:t>2021/1/24</a:t>
+              <a:t>2021/1/25</a:t>
             </a:fld>
             <a:endParaRPr kumimoji="1" lang="ja-JP" altLang="en-US"/>
           </a:p>
@@ -7805,7 +7813,9 @@
         </p:nvSpPr>
         <p:spPr/>
         <p:txBody>
-          <a:bodyPr/>
+          <a:bodyPr>
+            <a:normAutofit/>
+          </a:bodyPr>
           <a:lstStyle/>
           <a:p>
             <a:endParaRPr kumimoji="1" lang="en-US" altLang="ja-JP" dirty="0"/>
@@ -7816,7 +7826,15 @@
           <a:p>
             <a:r>
               <a:rPr kumimoji="1" lang="ja-JP" altLang="en-US" dirty="0"/>
-              <a:t>ソフトウェアシステム研究グループ  尾關 拓巳</a:t>
+              <a:t>ソフトウェアシステム研究グループ </a:t>
+            </a:r>
+            <a:r>
+              <a:rPr kumimoji="1" lang="en-US" altLang="ja-JP" dirty="0"/>
+              <a:t>B3 </a:t>
+            </a:r>
+            <a:r>
+              <a:rPr kumimoji="1" lang="ja-JP" altLang="en-US" dirty="0"/>
+              <a:t>尾關 拓巳</a:t>
             </a:r>
           </a:p>
         </p:txBody>
@@ -10541,8 +10559,8 @@
           </a:p>
         </p:txBody>
       </p:sp>
-      <mc:AlternateContent xmlns:mc="http://schemas.openxmlformats.org/markup-compatibility/2006">
-        <mc:Choice xmlns:a14="http://schemas.microsoft.com/office/drawing/2010/main" Requires="a14">
+      <mc:AlternateContent xmlns:mc="http://schemas.openxmlformats.org/markup-compatibility/2006" xmlns:a14="http://schemas.microsoft.com/office/drawing/2010/main">
+        <mc:Choice Requires="a14">
           <p:sp>
             <p:nvSpPr>
               <p:cNvPr id="3" name="コンテンツ プレースホルダー 2">
@@ -11473,7 +11491,7 @@
             </p:txBody>
           </p:sp>
         </mc:Choice>
-        <mc:Fallback>
+        <mc:Fallback xmlns="">
           <p:sp>
             <p:nvSpPr>
               <p:cNvPr id="3" name="コンテンツ プレースホルダー 2">
